--- a/src/diagrams.pptx
+++ b/src/diagrams.pptx
@@ -120,6 +120,11 @@
       </a:defRPr>
     </a:lvl9pPr>
   </p:defaultTextStyle>
+  <p:extLst>
+    <p:ext uri="{EFAFB233-063F-42B5-8137-9DF3F51BA10A}">
+      <p15:sldGuideLst xmlns:p15="http://schemas.microsoft.com/office/powerpoint/2012/main"/>
+    </p:ext>
+  </p:extLst>
 </p:presentation>
 </file>
 
@@ -270,7 +275,7 @@
           <a:p>
             <a:fld id="{304B0B91-BA65-754B-BA93-0DF3CA99DC23}" type="datetimeFigureOut">
               <a:rPr lang="fr-FR" smtClean="0"/>
-              <a:t>18/10/2024</a:t>
+              <a:t>22/10/2025</a:t>
             </a:fld>
             <a:endParaRPr lang="fr-FR"/>
           </a:p>
@@ -468,7 +473,7 @@
           <a:p>
             <a:fld id="{304B0B91-BA65-754B-BA93-0DF3CA99DC23}" type="datetimeFigureOut">
               <a:rPr lang="fr-FR" smtClean="0"/>
-              <a:t>18/10/2024</a:t>
+              <a:t>22/10/2025</a:t>
             </a:fld>
             <a:endParaRPr lang="fr-FR"/>
           </a:p>
@@ -676,7 +681,7 @@
           <a:p>
             <a:fld id="{304B0B91-BA65-754B-BA93-0DF3CA99DC23}" type="datetimeFigureOut">
               <a:rPr lang="fr-FR" smtClean="0"/>
-              <a:t>18/10/2024</a:t>
+              <a:t>22/10/2025</a:t>
             </a:fld>
             <a:endParaRPr lang="fr-FR"/>
           </a:p>
@@ -874,7 +879,7 @@
           <a:p>
             <a:fld id="{304B0B91-BA65-754B-BA93-0DF3CA99DC23}" type="datetimeFigureOut">
               <a:rPr lang="fr-FR" smtClean="0"/>
-              <a:t>18/10/2024</a:t>
+              <a:t>22/10/2025</a:t>
             </a:fld>
             <a:endParaRPr lang="fr-FR"/>
           </a:p>
@@ -1149,7 +1154,7 @@
           <a:p>
             <a:fld id="{304B0B91-BA65-754B-BA93-0DF3CA99DC23}" type="datetimeFigureOut">
               <a:rPr lang="fr-FR" smtClean="0"/>
-              <a:t>18/10/2024</a:t>
+              <a:t>22/10/2025</a:t>
             </a:fld>
             <a:endParaRPr lang="fr-FR"/>
           </a:p>
@@ -1414,7 +1419,7 @@
           <a:p>
             <a:fld id="{304B0B91-BA65-754B-BA93-0DF3CA99DC23}" type="datetimeFigureOut">
               <a:rPr lang="fr-FR" smtClean="0"/>
-              <a:t>18/10/2024</a:t>
+              <a:t>22/10/2025</a:t>
             </a:fld>
             <a:endParaRPr lang="fr-FR"/>
           </a:p>
@@ -1826,7 +1831,7 @@
           <a:p>
             <a:fld id="{304B0B91-BA65-754B-BA93-0DF3CA99DC23}" type="datetimeFigureOut">
               <a:rPr lang="fr-FR" smtClean="0"/>
-              <a:t>18/10/2024</a:t>
+              <a:t>22/10/2025</a:t>
             </a:fld>
             <a:endParaRPr lang="fr-FR"/>
           </a:p>
@@ -1967,7 +1972,7 @@
           <a:p>
             <a:fld id="{304B0B91-BA65-754B-BA93-0DF3CA99DC23}" type="datetimeFigureOut">
               <a:rPr lang="fr-FR" smtClean="0"/>
-              <a:t>18/10/2024</a:t>
+              <a:t>22/10/2025</a:t>
             </a:fld>
             <a:endParaRPr lang="fr-FR"/>
           </a:p>
@@ -2080,7 +2085,7 @@
           <a:p>
             <a:fld id="{304B0B91-BA65-754B-BA93-0DF3CA99DC23}" type="datetimeFigureOut">
               <a:rPr lang="fr-FR" smtClean="0"/>
-              <a:t>18/10/2024</a:t>
+              <a:t>22/10/2025</a:t>
             </a:fld>
             <a:endParaRPr lang="fr-FR"/>
           </a:p>
@@ -2391,7 +2396,7 @@
           <a:p>
             <a:fld id="{304B0B91-BA65-754B-BA93-0DF3CA99DC23}" type="datetimeFigureOut">
               <a:rPr lang="fr-FR" smtClean="0"/>
-              <a:t>18/10/2024</a:t>
+              <a:t>22/10/2025</a:t>
             </a:fld>
             <a:endParaRPr lang="fr-FR"/>
           </a:p>
@@ -2679,7 +2684,7 @@
           <a:p>
             <a:fld id="{304B0B91-BA65-754B-BA93-0DF3CA99DC23}" type="datetimeFigureOut">
               <a:rPr lang="fr-FR" smtClean="0"/>
-              <a:t>18/10/2024</a:t>
+              <a:t>22/10/2025</a:t>
             </a:fld>
             <a:endParaRPr lang="fr-FR"/>
           </a:p>
@@ -2920,7 +2925,7 @@
           <a:p>
             <a:fld id="{304B0B91-BA65-754B-BA93-0DF3CA99DC23}" type="datetimeFigureOut">
               <a:rPr lang="fr-FR" smtClean="0"/>
-              <a:t>18/10/2024</a:t>
+              <a:t>22/10/2025</a:t>
             </a:fld>
             <a:endParaRPr lang="fr-FR"/>
           </a:p>
@@ -3337,6 +3342,64 @@
           <a:chExt cx="0" cy="0"/>
         </a:xfrm>
       </p:grpSpPr>
+      <p:sp>
+        <p:nvSpPr>
+          <p:cNvPr id="2" name="Rectangle : coins arrondis 1">
+            <a:extLst>
+              <a:ext uri="{FF2B5EF4-FFF2-40B4-BE49-F238E27FC236}">
+                <a16:creationId xmlns:a16="http://schemas.microsoft.com/office/drawing/2014/main" id="{ACB5E25E-DF9B-F9CD-10F3-9982B4EEE1FB}"/>
+              </a:ext>
+            </a:extLst>
+          </p:cNvPr>
+          <p:cNvSpPr/>
+          <p:nvPr/>
+        </p:nvSpPr>
+        <p:spPr>
+          <a:xfrm>
+            <a:off x="1203158" y="0"/>
+            <a:ext cx="10988842" cy="6858000"/>
+          </a:xfrm>
+          <a:prstGeom prst="roundRect">
+            <a:avLst>
+              <a:gd name="adj" fmla="val 1579"/>
+            </a:avLst>
+          </a:prstGeom>
+          <a:solidFill>
+            <a:schemeClr val="bg1"/>
+          </a:solidFill>
+          <a:ln w="6350">
+            <a:solidFill>
+              <a:schemeClr val="bg1">
+                <a:lumMod val="85000"/>
+              </a:schemeClr>
+            </a:solidFill>
+          </a:ln>
+        </p:spPr>
+        <p:style>
+          <a:lnRef idx="2">
+            <a:schemeClr val="accent1">
+              <a:shade val="15000"/>
+            </a:schemeClr>
+          </a:lnRef>
+          <a:fillRef idx="1">
+            <a:schemeClr val="accent1"/>
+          </a:fillRef>
+          <a:effectRef idx="0">
+            <a:schemeClr val="accent1"/>
+          </a:effectRef>
+          <a:fontRef idx="minor">
+            <a:schemeClr val="lt1"/>
+          </a:fontRef>
+        </p:style>
+        <p:txBody>
+          <a:bodyPr rtlCol="0" anchor="ctr"/>
+          <a:lstStyle/>
+          <a:p>
+            <a:pPr algn="ctr"/>
+            <a:endParaRPr lang="fr-FR"/>
+          </a:p>
+        </p:txBody>
+      </p:sp>
       <p:pic>
         <p:nvPicPr>
           <p:cNvPr id="4" name="Image 3">
@@ -3574,7 +3637,7 @@
         <p:spPr>
           <a:xfrm>
             <a:off x="5084064" y="1271016"/>
-            <a:ext cx="1607043" cy="369332"/>
+            <a:ext cx="1083438" cy="369332"/>
           </a:xfrm>
           <a:prstGeom prst="rect">
             <a:avLst/>
@@ -3589,7 +3652,7 @@
           <a:p>
             <a:r>
               <a:rPr lang="fr-FR" dirty="0"/>
-              <a:t>Rayon lumière</a:t>
+              <a:t>Light Ray</a:t>
             </a:r>
           </a:p>
         </p:txBody>
@@ -3609,7 +3672,7 @@
         <p:spPr>
           <a:xfrm>
             <a:off x="4399651" y="4896059"/>
-            <a:ext cx="3212931" cy="369332"/>
+            <a:ext cx="3082960" cy="369332"/>
           </a:xfrm>
           <a:prstGeom prst="rect">
             <a:avLst/>
@@ -3623,8 +3686,20 @@
           <a:lstStyle/>
           <a:p>
             <a:r>
+              <a:rPr lang="fr-FR" dirty="0" err="1"/>
+              <a:t>Reflection</a:t>
+            </a:r>
+            <a:r>
               <a:rPr lang="fr-FR" dirty="0"/>
-              <a:t>Réflexion autour de la normale</a:t>
+              <a:t> </a:t>
+            </a:r>
+            <a:r>
+              <a:rPr lang="fr-FR" dirty="0" err="1"/>
+              <a:t>around</a:t>
+            </a:r>
+            <a:r>
+              <a:rPr lang="fr-FR" dirty="0"/>
+              <a:t> the normal</a:t>
             </a:r>
           </a:p>
         </p:txBody>
@@ -3644,7 +3719,7 @@
         <p:spPr>
           <a:xfrm>
             <a:off x="8397061" y="993858"/>
-            <a:ext cx="3518425" cy="1200329"/>
+            <a:ext cx="3518425" cy="923330"/>
           </a:xfrm>
           <a:prstGeom prst="rect">
             <a:avLst/>
@@ -3658,9 +3733,56 @@
           <a:lstStyle/>
           <a:p>
             <a:r>
+              <a:rPr lang="fr-FR" dirty="0" err="1"/>
+              <a:t>Some</a:t>
+            </a:r>
+            <a:r>
               <a:rPr lang="fr-FR" dirty="0"/>
-              <a:t>Certaines longueurs d'onde sont absorbées par le matériau, d'autres sont réfléchies et donnent à l'objet sa couleur.</a:t>
-            </a:r>
+              <a:t> </a:t>
+            </a:r>
+            <a:r>
+              <a:rPr lang="fr-FR" dirty="0" err="1"/>
+              <a:t>wavelengths</a:t>
+            </a:r>
+            <a:r>
+              <a:rPr lang="fr-FR" dirty="0"/>
+              <a:t> are</a:t>
+            </a:r>
+            <a:br>
+              <a:rPr lang="fr-FR" dirty="0"/>
+            </a:br>
+            <a:r>
+              <a:rPr lang="fr-FR" dirty="0" err="1"/>
+              <a:t>absorbed</a:t>
+            </a:r>
+            <a:r>
+              <a:rPr lang="fr-FR" dirty="0"/>
+              <a:t> by the surface </a:t>
+            </a:r>
+            <a:r>
+              <a:rPr lang="fr-FR" dirty="0" err="1"/>
+              <a:t>material</a:t>
+            </a:r>
+            <a:br>
+              <a:rPr lang="fr-FR" dirty="0"/>
+            </a:br>
+            <a:r>
+              <a:rPr lang="fr-FR" dirty="0"/>
+              <a:t>and </a:t>
+            </a:r>
+            <a:r>
+              <a:rPr lang="fr-FR" dirty="0" err="1"/>
+              <a:t>others</a:t>
+            </a:r>
+            <a:r>
+              <a:rPr lang="fr-FR" dirty="0"/>
+              <a:t> are </a:t>
+            </a:r>
+            <a:r>
+              <a:rPr lang="fr-FR" dirty="0" err="1"/>
+              <a:t>reflected</a:t>
+            </a:r>
+            <a:endParaRPr lang="fr-FR" dirty="0"/>
           </a:p>
         </p:txBody>
       </p:sp>
@@ -3679,7 +3801,7 @@
         <p:spPr>
           <a:xfrm>
             <a:off x="4395972" y="3187224"/>
-            <a:ext cx="2037609" cy="461665"/>
+            <a:ext cx="2094932" cy="646331"/>
           </a:xfrm>
           <a:prstGeom prst="rect">
             <a:avLst/>
@@ -3694,13 +3816,41 @@
           <a:p>
             <a:r>
               <a:rPr lang="fr-FR" sz="1200" dirty="0"/>
-              <a:t>La normale : direction </a:t>
-            </a:r>
-          </a:p>
-          <a:p>
-            <a:r>
+              <a:t>The « Normal » : the direction</a:t>
+            </a:r>
+            <a:br>
               <a:rPr lang="fr-FR" sz="1200" dirty="0"/>
-              <a:t>perpendiculaire à la surface</a:t>
+            </a:br>
+            <a:r>
+              <a:rPr lang="fr-FR" sz="1200" dirty="0" err="1"/>
+              <a:t>that</a:t>
+            </a:r>
+            <a:r>
+              <a:rPr lang="fr-FR" sz="1200" dirty="0"/>
+              <a:t> </a:t>
+            </a:r>
+            <a:r>
+              <a:rPr lang="fr-FR" sz="1200" dirty="0" err="1"/>
+              <a:t>is</a:t>
+            </a:r>
+            <a:r>
+              <a:rPr lang="fr-FR" sz="1200" dirty="0"/>
+              <a:t> </a:t>
+            </a:r>
+            <a:r>
+              <a:rPr lang="fr-FR" sz="1200" dirty="0" err="1"/>
+              <a:t>perpendicular</a:t>
+            </a:r>
+            <a:r>
+              <a:rPr lang="fr-FR" sz="1200" dirty="0"/>
+              <a:t> to the </a:t>
+            </a:r>
+            <a:br>
+              <a:rPr lang="fr-FR" sz="1200" dirty="0"/>
+            </a:br>
+            <a:r>
+              <a:rPr lang="fr-FR" sz="1200" dirty="0"/>
+              <a:t>surface</a:t>
             </a:r>
           </a:p>
         </p:txBody>
@@ -3741,6 +3891,64 @@
           <a:chExt cx="0" cy="0"/>
         </a:xfrm>
       </p:grpSpPr>
+      <p:sp>
+        <p:nvSpPr>
+          <p:cNvPr id="6" name="Rectangle : coins arrondis 5">
+            <a:extLst>
+              <a:ext uri="{FF2B5EF4-FFF2-40B4-BE49-F238E27FC236}">
+                <a16:creationId xmlns:a16="http://schemas.microsoft.com/office/drawing/2014/main" id="{79A1BEBF-A7E3-682B-75FE-B91AF5290EF6}"/>
+              </a:ext>
+            </a:extLst>
+          </p:cNvPr>
+          <p:cNvSpPr/>
+          <p:nvPr/>
+        </p:nvSpPr>
+        <p:spPr>
+          <a:xfrm>
+            <a:off x="778042" y="0"/>
+            <a:ext cx="10635916" cy="6858000"/>
+          </a:xfrm>
+          <a:prstGeom prst="roundRect">
+            <a:avLst>
+              <a:gd name="adj" fmla="val 1579"/>
+            </a:avLst>
+          </a:prstGeom>
+          <a:solidFill>
+            <a:schemeClr val="bg1"/>
+          </a:solidFill>
+          <a:ln w="6350">
+            <a:solidFill>
+              <a:schemeClr val="bg1">
+                <a:lumMod val="85000"/>
+              </a:schemeClr>
+            </a:solidFill>
+          </a:ln>
+        </p:spPr>
+        <p:style>
+          <a:lnRef idx="2">
+            <a:schemeClr val="accent1">
+              <a:shade val="15000"/>
+            </a:schemeClr>
+          </a:lnRef>
+          <a:fillRef idx="1">
+            <a:schemeClr val="accent1"/>
+          </a:fillRef>
+          <a:effectRef idx="0">
+            <a:schemeClr val="accent1"/>
+          </a:effectRef>
+          <a:fontRef idx="minor">
+            <a:schemeClr val="lt1"/>
+          </a:fontRef>
+        </p:style>
+        <p:txBody>
+          <a:bodyPr rtlCol="0" anchor="ctr"/>
+          <a:lstStyle/>
+          <a:p>
+            <a:pPr algn="ctr"/>
+            <a:endParaRPr lang="fr-FR"/>
+          </a:p>
+        </p:txBody>
+      </p:sp>
       <p:cxnSp>
         <p:nvCxnSpPr>
           <p:cNvPr id="2" name="Connecteur droit 1">
@@ -3841,8 +4049,8 @@
         </p:nvSpPr>
         <p:spPr>
           <a:xfrm>
-            <a:off x="6666922" y="2176273"/>
-            <a:ext cx="4786567" cy="584775"/>
+            <a:off x="6944969" y="2176273"/>
+            <a:ext cx="2712217" cy="830997"/>
           </a:xfrm>
           <a:prstGeom prst="rect">
             <a:avLst/>
@@ -3857,13 +4065,49 @@
           <a:p>
             <a:r>
               <a:rPr lang="fr-FR" sz="1600" dirty="0"/>
-              <a:t>Position (1,2) déplacé par une direction (1, -1) donne</a:t>
-            </a:r>
-          </a:p>
-          <a:p>
+              <a:t>A position (1,2) </a:t>
+            </a:r>
+            <a:r>
+              <a:rPr lang="fr-FR" sz="1600" dirty="0" err="1"/>
+              <a:t>displaced</a:t>
+            </a:r>
             <a:r>
               <a:rPr lang="fr-FR" sz="1600" dirty="0"/>
-              <a:t>la nouvelle position (2,1)</a:t>
+              <a:t> by </a:t>
+            </a:r>
+            <a:br>
+              <a:rPr lang="fr-FR" sz="1600" dirty="0"/>
+            </a:br>
+            <a:r>
+              <a:rPr lang="fr-FR" sz="1600" dirty="0"/>
+              <a:t>a </a:t>
+            </a:r>
+            <a:r>
+              <a:rPr lang="fr-FR" sz="1600" dirty="0" err="1"/>
+              <a:t>directional</a:t>
+            </a:r>
+            <a:r>
+              <a:rPr lang="fr-FR" sz="1600" dirty="0"/>
+              <a:t> </a:t>
+            </a:r>
+            <a:r>
+              <a:rPr lang="fr-FR" sz="1600" dirty="0" err="1"/>
+              <a:t>vector</a:t>
+            </a:r>
+            <a:r>
+              <a:rPr lang="fr-FR" sz="1600" dirty="0"/>
+              <a:t> (1, -1) </a:t>
+            </a:r>
+            <a:br>
+              <a:rPr lang="fr-FR" sz="1600" dirty="0"/>
+            </a:br>
+            <a:r>
+              <a:rPr lang="fr-FR" sz="1600" dirty="0" err="1"/>
+              <a:t>gives</a:t>
+            </a:r>
+            <a:r>
+              <a:rPr lang="fr-FR" sz="1600" dirty="0"/>
+              <a:t> a new position (2,1)</a:t>
             </a:r>
           </a:p>
         </p:txBody>
@@ -4271,6 +4515,64 @@
           <a:chExt cx="0" cy="0"/>
         </a:xfrm>
       </p:grpSpPr>
+      <p:sp>
+        <p:nvSpPr>
+          <p:cNvPr id="4" name="Rectangle : coins arrondis 3">
+            <a:extLst>
+              <a:ext uri="{FF2B5EF4-FFF2-40B4-BE49-F238E27FC236}">
+                <a16:creationId xmlns:a16="http://schemas.microsoft.com/office/drawing/2014/main" id="{0AB12698-A470-A3A2-117C-4C60C41E56D6}"/>
+              </a:ext>
+            </a:extLst>
+          </p:cNvPr>
+          <p:cNvSpPr/>
+          <p:nvPr/>
+        </p:nvSpPr>
+        <p:spPr>
+          <a:xfrm>
+            <a:off x="2057400" y="0"/>
+            <a:ext cx="10134600" cy="4837402"/>
+          </a:xfrm>
+          <a:prstGeom prst="roundRect">
+            <a:avLst>
+              <a:gd name="adj" fmla="val 1579"/>
+            </a:avLst>
+          </a:prstGeom>
+          <a:solidFill>
+            <a:schemeClr val="bg1"/>
+          </a:solidFill>
+          <a:ln w="6350">
+            <a:solidFill>
+              <a:schemeClr val="bg1">
+                <a:lumMod val="85000"/>
+              </a:schemeClr>
+            </a:solidFill>
+          </a:ln>
+        </p:spPr>
+        <p:style>
+          <a:lnRef idx="2">
+            <a:schemeClr val="accent1">
+              <a:shade val="15000"/>
+            </a:schemeClr>
+          </a:lnRef>
+          <a:fillRef idx="1">
+            <a:schemeClr val="accent1"/>
+          </a:fillRef>
+          <a:effectRef idx="0">
+            <a:schemeClr val="accent1"/>
+          </a:effectRef>
+          <a:fontRef idx="minor">
+            <a:schemeClr val="lt1"/>
+          </a:fontRef>
+        </p:style>
+        <p:txBody>
+          <a:bodyPr rtlCol="0" anchor="ctr"/>
+          <a:lstStyle/>
+          <a:p>
+            <a:pPr algn="ctr"/>
+            <a:endParaRPr lang="fr-FR"/>
+          </a:p>
+        </p:txBody>
+      </p:sp>
       <p:cxnSp>
         <p:nvCxnSpPr>
           <p:cNvPr id="2" name="Connecteur droit avec flèche 1">
@@ -5490,6 +5792,64 @@
           <a:chExt cx="0" cy="0"/>
         </a:xfrm>
       </p:grpSpPr>
+      <p:sp>
+        <p:nvSpPr>
+          <p:cNvPr id="9" name="Rectangle : coins arrondis 8">
+            <a:extLst>
+              <a:ext uri="{FF2B5EF4-FFF2-40B4-BE49-F238E27FC236}">
+                <a16:creationId xmlns:a16="http://schemas.microsoft.com/office/drawing/2014/main" id="{688C3074-8E9B-9CA2-AECA-CADBFD4DC002}"/>
+              </a:ext>
+            </a:extLst>
+          </p:cNvPr>
+          <p:cNvSpPr/>
+          <p:nvPr/>
+        </p:nvSpPr>
+        <p:spPr>
+          <a:xfrm>
+            <a:off x="901014" y="351930"/>
+            <a:ext cx="7689533" cy="6506069"/>
+          </a:xfrm>
+          <a:prstGeom prst="roundRect">
+            <a:avLst>
+              <a:gd name="adj" fmla="val 1579"/>
+            </a:avLst>
+          </a:prstGeom>
+          <a:solidFill>
+            <a:schemeClr val="bg1"/>
+          </a:solidFill>
+          <a:ln w="6350">
+            <a:solidFill>
+              <a:schemeClr val="bg1">
+                <a:lumMod val="85000"/>
+              </a:schemeClr>
+            </a:solidFill>
+          </a:ln>
+        </p:spPr>
+        <p:style>
+          <a:lnRef idx="2">
+            <a:schemeClr val="accent1">
+              <a:shade val="15000"/>
+            </a:schemeClr>
+          </a:lnRef>
+          <a:fillRef idx="1">
+            <a:schemeClr val="accent1"/>
+          </a:fillRef>
+          <a:effectRef idx="0">
+            <a:schemeClr val="accent1"/>
+          </a:effectRef>
+          <a:fontRef idx="minor">
+            <a:schemeClr val="lt1"/>
+          </a:fontRef>
+        </p:style>
+        <p:txBody>
+          <a:bodyPr rtlCol="0" anchor="ctr"/>
+          <a:lstStyle/>
+          <a:p>
+            <a:pPr algn="ctr"/>
+            <a:endParaRPr lang="fr-FR"/>
+          </a:p>
+        </p:txBody>
+      </p:sp>
       <p:cxnSp>
         <p:nvCxnSpPr>
           <p:cNvPr id="2" name="Connecteur droit avec flèche 1">
@@ -6312,6 +6672,64 @@
           <a:chExt cx="0" cy="0"/>
         </a:xfrm>
       </p:grpSpPr>
+      <p:sp>
+        <p:nvSpPr>
+          <p:cNvPr id="10" name="Rectangle : coins arrondis 9">
+            <a:extLst>
+              <a:ext uri="{FF2B5EF4-FFF2-40B4-BE49-F238E27FC236}">
+                <a16:creationId xmlns:a16="http://schemas.microsoft.com/office/drawing/2014/main" id="{9B8A43A0-C024-919D-D1B6-02F41E4A13F1}"/>
+              </a:ext>
+            </a:extLst>
+          </p:cNvPr>
+          <p:cNvSpPr/>
+          <p:nvPr/>
+        </p:nvSpPr>
+        <p:spPr>
+          <a:xfrm>
+            <a:off x="901014" y="351930"/>
+            <a:ext cx="7689533" cy="6506069"/>
+          </a:xfrm>
+          <a:prstGeom prst="roundRect">
+            <a:avLst>
+              <a:gd name="adj" fmla="val 1579"/>
+            </a:avLst>
+          </a:prstGeom>
+          <a:solidFill>
+            <a:schemeClr val="bg1"/>
+          </a:solidFill>
+          <a:ln w="6350">
+            <a:solidFill>
+              <a:schemeClr val="bg1">
+                <a:lumMod val="85000"/>
+              </a:schemeClr>
+            </a:solidFill>
+          </a:ln>
+        </p:spPr>
+        <p:style>
+          <a:lnRef idx="2">
+            <a:schemeClr val="accent1">
+              <a:shade val="15000"/>
+            </a:schemeClr>
+          </a:lnRef>
+          <a:fillRef idx="1">
+            <a:schemeClr val="accent1"/>
+          </a:fillRef>
+          <a:effectRef idx="0">
+            <a:schemeClr val="accent1"/>
+          </a:effectRef>
+          <a:fontRef idx="minor">
+            <a:schemeClr val="lt1"/>
+          </a:fontRef>
+        </p:style>
+        <p:txBody>
+          <a:bodyPr rtlCol="0" anchor="ctr"/>
+          <a:lstStyle/>
+          <a:p>
+            <a:pPr algn="ctr"/>
+            <a:endParaRPr lang="fr-FR"/>
+          </a:p>
+        </p:txBody>
+      </p:sp>
       <p:cxnSp>
         <p:nvCxnSpPr>
           <p:cNvPr id="2" name="Connecteur droit avec flèche 1">
@@ -7055,6 +7473,64 @@
           <a:chExt cx="0" cy="0"/>
         </a:xfrm>
       </p:grpSpPr>
+      <p:sp>
+        <p:nvSpPr>
+          <p:cNvPr id="11" name="Rectangle : coins arrondis 10">
+            <a:extLst>
+              <a:ext uri="{FF2B5EF4-FFF2-40B4-BE49-F238E27FC236}">
+                <a16:creationId xmlns:a16="http://schemas.microsoft.com/office/drawing/2014/main" id="{0BCC6B30-5520-8687-3EA0-1FB5244AF065}"/>
+              </a:ext>
+            </a:extLst>
+          </p:cNvPr>
+          <p:cNvSpPr/>
+          <p:nvPr/>
+        </p:nvSpPr>
+        <p:spPr>
+          <a:xfrm>
+            <a:off x="901014" y="351930"/>
+            <a:ext cx="7689533" cy="6506069"/>
+          </a:xfrm>
+          <a:prstGeom prst="roundRect">
+            <a:avLst>
+              <a:gd name="adj" fmla="val 1579"/>
+            </a:avLst>
+          </a:prstGeom>
+          <a:solidFill>
+            <a:schemeClr val="bg1"/>
+          </a:solidFill>
+          <a:ln w="6350">
+            <a:solidFill>
+              <a:schemeClr val="bg1">
+                <a:lumMod val="85000"/>
+              </a:schemeClr>
+            </a:solidFill>
+          </a:ln>
+        </p:spPr>
+        <p:style>
+          <a:lnRef idx="2">
+            <a:schemeClr val="accent1">
+              <a:shade val="15000"/>
+            </a:schemeClr>
+          </a:lnRef>
+          <a:fillRef idx="1">
+            <a:schemeClr val="accent1"/>
+          </a:fillRef>
+          <a:effectRef idx="0">
+            <a:schemeClr val="accent1"/>
+          </a:effectRef>
+          <a:fontRef idx="minor">
+            <a:schemeClr val="lt1"/>
+          </a:fontRef>
+        </p:style>
+        <p:txBody>
+          <a:bodyPr rtlCol="0" anchor="ctr"/>
+          <a:lstStyle/>
+          <a:p>
+            <a:pPr algn="ctr"/>
+            <a:endParaRPr lang="fr-FR"/>
+          </a:p>
+        </p:txBody>
+      </p:sp>
       <p:cxnSp>
         <p:nvCxnSpPr>
           <p:cNvPr id="2" name="Connecteur droit avec flèche 1">
@@ -7845,6 +8321,64 @@
           <a:chExt cx="0" cy="0"/>
         </a:xfrm>
       </p:grpSpPr>
+      <p:sp>
+        <p:nvSpPr>
+          <p:cNvPr id="11" name="Rectangle : coins arrondis 10">
+            <a:extLst>
+              <a:ext uri="{FF2B5EF4-FFF2-40B4-BE49-F238E27FC236}">
+                <a16:creationId xmlns:a16="http://schemas.microsoft.com/office/drawing/2014/main" id="{EE61170E-526D-B456-12E3-F5EC6B4C993D}"/>
+              </a:ext>
+            </a:extLst>
+          </p:cNvPr>
+          <p:cNvSpPr/>
+          <p:nvPr/>
+        </p:nvSpPr>
+        <p:spPr>
+          <a:xfrm>
+            <a:off x="901014" y="351930"/>
+            <a:ext cx="7689533" cy="6506069"/>
+          </a:xfrm>
+          <a:prstGeom prst="roundRect">
+            <a:avLst>
+              <a:gd name="adj" fmla="val 1579"/>
+            </a:avLst>
+          </a:prstGeom>
+          <a:solidFill>
+            <a:schemeClr val="bg1"/>
+          </a:solidFill>
+          <a:ln w="6350">
+            <a:solidFill>
+              <a:schemeClr val="bg1">
+                <a:lumMod val="85000"/>
+              </a:schemeClr>
+            </a:solidFill>
+          </a:ln>
+        </p:spPr>
+        <p:style>
+          <a:lnRef idx="2">
+            <a:schemeClr val="accent1">
+              <a:shade val="15000"/>
+            </a:schemeClr>
+          </a:lnRef>
+          <a:fillRef idx="1">
+            <a:schemeClr val="accent1"/>
+          </a:fillRef>
+          <a:effectRef idx="0">
+            <a:schemeClr val="accent1"/>
+          </a:effectRef>
+          <a:fontRef idx="minor">
+            <a:schemeClr val="lt1"/>
+          </a:fontRef>
+        </p:style>
+        <p:txBody>
+          <a:bodyPr rtlCol="0" anchor="ctr"/>
+          <a:lstStyle/>
+          <a:p>
+            <a:pPr algn="ctr"/>
+            <a:endParaRPr lang="fr-FR"/>
+          </a:p>
+        </p:txBody>
+      </p:sp>
       <p:cxnSp>
         <p:nvCxnSpPr>
           <p:cNvPr id="2" name="Connecteur droit avec flèche 1">
@@ -8708,6 +9242,64 @@
           <a:chExt cx="0" cy="0"/>
         </a:xfrm>
       </p:grpSpPr>
+      <p:sp>
+        <p:nvSpPr>
+          <p:cNvPr id="11" name="Rectangle : coins arrondis 10">
+            <a:extLst>
+              <a:ext uri="{FF2B5EF4-FFF2-40B4-BE49-F238E27FC236}">
+                <a16:creationId xmlns:a16="http://schemas.microsoft.com/office/drawing/2014/main" id="{675E10D5-84CD-091D-5091-681A699FE2C5}"/>
+              </a:ext>
+            </a:extLst>
+          </p:cNvPr>
+          <p:cNvSpPr/>
+          <p:nvPr/>
+        </p:nvSpPr>
+        <p:spPr>
+          <a:xfrm>
+            <a:off x="901014" y="351930"/>
+            <a:ext cx="7689533" cy="6506069"/>
+          </a:xfrm>
+          <a:prstGeom prst="roundRect">
+            <a:avLst>
+              <a:gd name="adj" fmla="val 1579"/>
+            </a:avLst>
+          </a:prstGeom>
+          <a:solidFill>
+            <a:schemeClr val="bg1"/>
+          </a:solidFill>
+          <a:ln w="6350">
+            <a:solidFill>
+              <a:schemeClr val="bg1">
+                <a:lumMod val="85000"/>
+              </a:schemeClr>
+            </a:solidFill>
+          </a:ln>
+        </p:spPr>
+        <p:style>
+          <a:lnRef idx="2">
+            <a:schemeClr val="accent1">
+              <a:shade val="15000"/>
+            </a:schemeClr>
+          </a:lnRef>
+          <a:fillRef idx="1">
+            <a:schemeClr val="accent1"/>
+          </a:fillRef>
+          <a:effectRef idx="0">
+            <a:schemeClr val="accent1"/>
+          </a:effectRef>
+          <a:fontRef idx="minor">
+            <a:schemeClr val="lt1"/>
+          </a:fontRef>
+        </p:style>
+        <p:txBody>
+          <a:bodyPr rtlCol="0" anchor="ctr"/>
+          <a:lstStyle/>
+          <a:p>
+            <a:pPr algn="ctr"/>
+            <a:endParaRPr lang="fr-FR"/>
+          </a:p>
+        </p:txBody>
+      </p:sp>
       <p:cxnSp>
         <p:nvCxnSpPr>
           <p:cNvPr id="2" name="Connecteur droit avec flèche 1">
@@ -9607,6 +10199,64 @@
       </p:grpSpPr>
       <p:sp>
         <p:nvSpPr>
+          <p:cNvPr id="2" name="Rectangle : coins arrondis 1">
+            <a:extLst>
+              <a:ext uri="{FF2B5EF4-FFF2-40B4-BE49-F238E27FC236}">
+                <a16:creationId xmlns:a16="http://schemas.microsoft.com/office/drawing/2014/main" id="{95C79535-F2B5-E38B-AFB0-92CF2D87158F}"/>
+              </a:ext>
+            </a:extLst>
+          </p:cNvPr>
+          <p:cNvSpPr/>
+          <p:nvPr/>
+        </p:nvSpPr>
+        <p:spPr>
+          <a:xfrm>
+            <a:off x="2804591" y="102814"/>
+            <a:ext cx="7689533" cy="5576092"/>
+          </a:xfrm>
+          <a:prstGeom prst="roundRect">
+            <a:avLst>
+              <a:gd name="adj" fmla="val 1579"/>
+            </a:avLst>
+          </a:prstGeom>
+          <a:solidFill>
+            <a:schemeClr val="bg1"/>
+          </a:solidFill>
+          <a:ln w="6350">
+            <a:solidFill>
+              <a:schemeClr val="bg1">
+                <a:lumMod val="85000"/>
+              </a:schemeClr>
+            </a:solidFill>
+          </a:ln>
+        </p:spPr>
+        <p:style>
+          <a:lnRef idx="2">
+            <a:schemeClr val="accent1">
+              <a:shade val="15000"/>
+            </a:schemeClr>
+          </a:lnRef>
+          <a:fillRef idx="1">
+            <a:schemeClr val="accent1"/>
+          </a:fillRef>
+          <a:effectRef idx="0">
+            <a:schemeClr val="accent1"/>
+          </a:effectRef>
+          <a:fontRef idx="minor">
+            <a:schemeClr val="lt1"/>
+          </a:fontRef>
+        </p:style>
+        <p:txBody>
+          <a:bodyPr rtlCol="0" anchor="ctr"/>
+          <a:lstStyle/>
+          <a:p>
+            <a:pPr algn="ctr"/>
+            <a:endParaRPr lang="fr-FR"/>
+          </a:p>
+        </p:txBody>
+      </p:sp>
+      <p:sp>
+        <p:nvSpPr>
           <p:cNvPr id="3" name="Parallélogramme 2">
             <a:extLst>
               <a:ext uri="{FF2B5EF4-FFF2-40B4-BE49-F238E27FC236}">
@@ -10095,7 +10745,7 @@
         <p:spPr>
           <a:xfrm>
             <a:off x="7914672" y="2217081"/>
-            <a:ext cx="1202573" cy="338554"/>
+            <a:ext cx="1095172" cy="338554"/>
           </a:xfrm>
           <a:prstGeom prst="rect">
             <a:avLst/>
@@ -10110,7 +10760,7 @@
           <a:p>
             <a:r>
               <a:rPr lang="fr-FR" sz="1600" dirty="0"/>
-              <a:t>n (normale)</a:t>
+              <a:t>n (normal)</a:t>
             </a:r>
           </a:p>
         </p:txBody>
@@ -10151,6 +10801,64 @@
           <a:chExt cx="0" cy="0"/>
         </a:xfrm>
       </p:grpSpPr>
+      <p:sp>
+        <p:nvSpPr>
+          <p:cNvPr id="4" name="Rectangle : coins arrondis 3">
+            <a:extLst>
+              <a:ext uri="{FF2B5EF4-FFF2-40B4-BE49-F238E27FC236}">
+                <a16:creationId xmlns:a16="http://schemas.microsoft.com/office/drawing/2014/main" id="{BB62706A-90FE-0532-21C6-52EE02492A7B}"/>
+              </a:ext>
+            </a:extLst>
+          </p:cNvPr>
+          <p:cNvSpPr/>
+          <p:nvPr/>
+        </p:nvSpPr>
+        <p:spPr>
+          <a:xfrm>
+            <a:off x="99754" y="0"/>
+            <a:ext cx="11727287" cy="6858000"/>
+          </a:xfrm>
+          <a:prstGeom prst="roundRect">
+            <a:avLst>
+              <a:gd name="adj" fmla="val 1579"/>
+            </a:avLst>
+          </a:prstGeom>
+          <a:solidFill>
+            <a:schemeClr val="bg1"/>
+          </a:solidFill>
+          <a:ln w="6350">
+            <a:solidFill>
+              <a:schemeClr val="bg1">
+                <a:lumMod val="85000"/>
+              </a:schemeClr>
+            </a:solidFill>
+          </a:ln>
+        </p:spPr>
+        <p:style>
+          <a:lnRef idx="2">
+            <a:schemeClr val="accent1">
+              <a:shade val="15000"/>
+            </a:schemeClr>
+          </a:lnRef>
+          <a:fillRef idx="1">
+            <a:schemeClr val="accent1"/>
+          </a:fillRef>
+          <a:effectRef idx="0">
+            <a:schemeClr val="accent1"/>
+          </a:effectRef>
+          <a:fontRef idx="minor">
+            <a:schemeClr val="lt1"/>
+          </a:fontRef>
+        </p:style>
+        <p:txBody>
+          <a:bodyPr rtlCol="0" anchor="ctr"/>
+          <a:lstStyle/>
+          <a:p>
+            <a:pPr algn="ctr"/>
+            <a:endParaRPr lang="fr-FR"/>
+          </a:p>
+        </p:txBody>
+      </p:sp>
       <p:pic>
         <p:nvPicPr>
           <p:cNvPr id="34" name="Image 33">
@@ -10374,7 +11082,7 @@
         <p:spPr>
           <a:xfrm>
             <a:off x="5594176" y="5427965"/>
-            <a:ext cx="5515934" cy="1323439"/>
+            <a:ext cx="5917710" cy="1077218"/>
           </a:xfrm>
           <a:prstGeom prst="rect">
             <a:avLst/>
@@ -10388,33 +11096,115 @@
           <a:lstStyle/>
           <a:p>
             <a:r>
+              <a:rPr lang="fr-FR" sz="1600" dirty="0" err="1"/>
+              <a:t>Each</a:t>
+            </a:r>
+            <a:r>
               <a:rPr lang="fr-FR" sz="1600" dirty="0"/>
-              <a:t>Chaque fois que nous touchons un objet :</a:t>
-            </a:r>
+              <a:t> time a ray touches an </a:t>
+            </a:r>
+            <a:r>
+              <a:rPr lang="fr-FR" sz="1600" dirty="0" err="1"/>
+              <a:t>object</a:t>
+            </a:r>
+            <a:endParaRPr lang="fr-FR" sz="1600" dirty="0"/>
           </a:p>
           <a:p>
             <a:r>
               <a:rPr lang="fr-FR" sz="1600" dirty="0"/>
-              <a:t>- nous calculons la couleur de l'objet au point d'intersection.</a:t>
-            </a:r>
-          </a:p>
-          <a:p>
+              <a:t>- </a:t>
+            </a:r>
+            <a:r>
+              <a:rPr lang="fr-FR" sz="1600" dirty="0" err="1"/>
+              <a:t>We</a:t>
+            </a:r>
             <a:r>
               <a:rPr lang="fr-FR" sz="1600" dirty="0"/>
-              <a:t>- nous calculons la direction du nouveau rayon réfléchi </a:t>
-            </a:r>
-            <a:br>
+              <a:t> </a:t>
+            </a:r>
+            <a:r>
+              <a:rPr lang="fr-FR" sz="1600" dirty="0" err="1"/>
+              <a:t>calculate</a:t>
+            </a:r>
+            <a:r>
               <a:rPr lang="fr-FR" sz="1600" dirty="0"/>
-            </a:br>
+              <a:t> the </a:t>
+            </a:r>
+            <a:r>
+              <a:rPr lang="fr-FR" sz="1600" dirty="0" err="1"/>
+              <a:t>colour</a:t>
+            </a:r>
             <a:r>
               <a:rPr lang="fr-FR" sz="1600" dirty="0"/>
-              <a:t>   (autour de la normale à la surface) </a:t>
+              <a:t> at the intersection point</a:t>
             </a:r>
           </a:p>
           <a:p>
             <a:r>
               <a:rPr lang="fr-FR" sz="1600" dirty="0"/>
-              <a:t>- nous relançons le rayon réfléchi.</a:t>
+              <a:t>- </a:t>
+            </a:r>
+            <a:r>
+              <a:rPr lang="fr-FR" sz="1600" dirty="0" err="1"/>
+              <a:t>We</a:t>
+            </a:r>
+            <a:r>
+              <a:rPr lang="fr-FR" sz="1600" dirty="0"/>
+              <a:t> </a:t>
+            </a:r>
+            <a:r>
+              <a:rPr lang="fr-FR" sz="1600" dirty="0" err="1"/>
+              <a:t>calculate</a:t>
+            </a:r>
+            <a:r>
+              <a:rPr lang="fr-FR" sz="1600" dirty="0"/>
+              <a:t> the direction of the ray </a:t>
+            </a:r>
+            <a:r>
+              <a:rPr lang="fr-FR" sz="1600" dirty="0" err="1"/>
+              <a:t>reflected</a:t>
+            </a:r>
+            <a:r>
+              <a:rPr lang="fr-FR" sz="1600" dirty="0"/>
+              <a:t> </a:t>
+            </a:r>
+            <a:r>
+              <a:rPr lang="fr-FR" sz="1600" dirty="0" err="1"/>
+              <a:t>around</a:t>
+            </a:r>
+            <a:r>
+              <a:rPr lang="fr-FR" sz="1600" dirty="0"/>
+              <a:t> the normal</a:t>
+            </a:r>
+          </a:p>
+          <a:p>
+            <a:r>
+              <a:rPr lang="fr-FR" sz="1600" dirty="0"/>
+              <a:t>- </a:t>
+            </a:r>
+            <a:r>
+              <a:rPr lang="fr-FR" sz="1600" dirty="0" err="1"/>
+              <a:t>We</a:t>
+            </a:r>
+            <a:r>
+              <a:rPr lang="fr-FR" sz="1600" dirty="0"/>
+              <a:t> re-</a:t>
+            </a:r>
+            <a:r>
+              <a:rPr lang="fr-FR" sz="1600" dirty="0" err="1"/>
+              <a:t>cast</a:t>
+            </a:r>
+            <a:r>
+              <a:rPr lang="fr-FR" sz="1600" dirty="0"/>
+              <a:t> a new ray in </a:t>
+            </a:r>
+            <a:r>
+              <a:rPr lang="fr-FR" sz="1600" dirty="0" err="1"/>
+              <a:t>reflected</a:t>
+            </a:r>
+            <a:r>
+              <a:rPr lang="fr-FR" sz="1600" dirty="0"/>
+              <a:t> direction</a:t>
             </a:r>
           </a:p>
         </p:txBody>
@@ -10434,7 +11224,7 @@
         <p:spPr>
           <a:xfrm>
             <a:off x="5308174" y="3525622"/>
-            <a:ext cx="2037609" cy="461665"/>
+            <a:ext cx="2094932" cy="646331"/>
           </a:xfrm>
           <a:prstGeom prst="rect">
             <a:avLst/>
@@ -10449,13 +11239,41 @@
           <a:p>
             <a:r>
               <a:rPr lang="fr-FR" sz="1200" dirty="0"/>
-              <a:t>La normale : direction </a:t>
-            </a:r>
-          </a:p>
-          <a:p>
-            <a:r>
+              <a:t>The « Normal » : the direction</a:t>
+            </a:r>
+            <a:br>
               <a:rPr lang="fr-FR" sz="1200" dirty="0"/>
-              <a:t>perpendiculaire à la surface</a:t>
+            </a:br>
+            <a:r>
+              <a:rPr lang="fr-FR" sz="1200" dirty="0" err="1"/>
+              <a:t>that</a:t>
+            </a:r>
+            <a:r>
+              <a:rPr lang="fr-FR" sz="1200" dirty="0"/>
+              <a:t> </a:t>
+            </a:r>
+            <a:r>
+              <a:rPr lang="fr-FR" sz="1200" dirty="0" err="1"/>
+              <a:t>is</a:t>
+            </a:r>
+            <a:r>
+              <a:rPr lang="fr-FR" sz="1200" dirty="0"/>
+              <a:t> </a:t>
+            </a:r>
+            <a:r>
+              <a:rPr lang="fr-FR" sz="1200" dirty="0" err="1"/>
+              <a:t>perpendicular</a:t>
+            </a:r>
+            <a:r>
+              <a:rPr lang="fr-FR" sz="1200" dirty="0"/>
+              <a:t> to the </a:t>
+            </a:r>
+            <a:br>
+              <a:rPr lang="fr-FR" sz="1200" dirty="0"/>
+            </a:br>
+            <a:r>
+              <a:rPr lang="fr-FR" sz="1200" dirty="0"/>
+              <a:t>surface</a:t>
             </a:r>
           </a:p>
         </p:txBody>
@@ -10687,7 +11505,7 @@
         <p:spPr>
           <a:xfrm>
             <a:off x="2584494" y="6269632"/>
-            <a:ext cx="2153154" cy="369332"/>
+            <a:ext cx="1851148" cy="369332"/>
           </a:xfrm>
           <a:prstGeom prst="rect">
             <a:avLst/>
@@ -10702,7 +11520,7 @@
           <a:p>
             <a:r>
               <a:rPr lang="fr-FR" dirty="0"/>
-              <a:t>Image de projection</a:t>
+              <a:t>Projection image</a:t>
             </a:r>
           </a:p>
         </p:txBody>
@@ -10721,8 +11539,8 @@
         </p:nvSpPr>
         <p:spPr>
           <a:xfrm>
-            <a:off x="1408111" y="5988046"/>
-            <a:ext cx="1037720" cy="646331"/>
+            <a:off x="1159950" y="6313226"/>
+            <a:ext cx="1150764" cy="369332"/>
           </a:xfrm>
           <a:prstGeom prst="rect">
             <a:avLst/>
@@ -10737,14 +11555,13 @@
           <a:p>
             <a:r>
               <a:rPr lang="fr-FR" dirty="0"/>
-              <a:t>Origine </a:t>
-            </a:r>
-          </a:p>
-          <a:p>
-            <a:r>
-              <a:rPr lang="fr-FR" dirty="0"/>
-              <a:t>du rayon</a:t>
-            </a:r>
+              <a:t>Ray </a:t>
+            </a:r>
+            <a:r>
+              <a:rPr lang="fr-FR" dirty="0" err="1"/>
+              <a:t>origin</a:t>
+            </a:r>
+            <a:endParaRPr lang="fr-FR" dirty="0"/>
           </a:p>
         </p:txBody>
       </p:sp>
@@ -11377,10 +12194,10 @@
       </p:grpSpPr>
       <p:sp>
         <p:nvSpPr>
-          <p:cNvPr id="3" name="Ellipse 2">
-            <a:extLst>
-              <a:ext uri="{FF2B5EF4-FFF2-40B4-BE49-F238E27FC236}">
-                <a16:creationId xmlns:a16="http://schemas.microsoft.com/office/drawing/2014/main" id="{6DC9DE4F-7F04-8B74-D0AD-FCA7F9538FB2}"/>
+          <p:cNvPr id="2" name="Rectangle : coins arrondis 1">
+            <a:extLst>
+              <a:ext uri="{FF2B5EF4-FFF2-40B4-BE49-F238E27FC236}">
+                <a16:creationId xmlns:a16="http://schemas.microsoft.com/office/drawing/2014/main" id="{37387BC0-CCFA-1BEE-63F9-2DCDE60371D9}"/>
               </a:ext>
             </a:extLst>
           </p:cNvPr>
@@ -11389,12 +12206,24 @@
         </p:nvSpPr>
         <p:spPr>
           <a:xfrm>
-            <a:off x="5422392" y="4855464"/>
-            <a:ext cx="237744" cy="237744"/>
-          </a:xfrm>
-          <a:prstGeom prst="ellipse">
-            <a:avLst/>
-          </a:prstGeom>
+            <a:off x="0" y="0"/>
+            <a:ext cx="10635916" cy="6858000"/>
+          </a:xfrm>
+          <a:prstGeom prst="roundRect">
+            <a:avLst>
+              <a:gd name="adj" fmla="val 1579"/>
+            </a:avLst>
+          </a:prstGeom>
+          <a:solidFill>
+            <a:schemeClr val="bg1"/>
+          </a:solidFill>
+          <a:ln w="6350">
+            <a:solidFill>
+              <a:schemeClr val="bg1">
+                <a:lumMod val="85000"/>
+              </a:schemeClr>
+            </a:solidFill>
+          </a:ln>
         </p:spPr>
         <p:style>
           <a:lnRef idx="2">
@@ -11423,6 +12252,52 @@
       </p:sp>
       <p:sp>
         <p:nvSpPr>
+          <p:cNvPr id="3" name="Ellipse 2">
+            <a:extLst>
+              <a:ext uri="{FF2B5EF4-FFF2-40B4-BE49-F238E27FC236}">
+                <a16:creationId xmlns:a16="http://schemas.microsoft.com/office/drawing/2014/main" id="{6DC9DE4F-7F04-8B74-D0AD-FCA7F9538FB2}"/>
+              </a:ext>
+            </a:extLst>
+          </p:cNvPr>
+          <p:cNvSpPr/>
+          <p:nvPr/>
+        </p:nvSpPr>
+        <p:spPr>
+          <a:xfrm>
+            <a:off x="5422392" y="4855464"/>
+            <a:ext cx="237744" cy="237744"/>
+          </a:xfrm>
+          <a:prstGeom prst="ellipse">
+            <a:avLst/>
+          </a:prstGeom>
+        </p:spPr>
+        <p:style>
+          <a:lnRef idx="2">
+            <a:schemeClr val="accent1">
+              <a:shade val="15000"/>
+            </a:schemeClr>
+          </a:lnRef>
+          <a:fillRef idx="1">
+            <a:schemeClr val="accent1"/>
+          </a:fillRef>
+          <a:effectRef idx="0">
+            <a:schemeClr val="accent1"/>
+          </a:effectRef>
+          <a:fontRef idx="minor">
+            <a:schemeClr val="lt1"/>
+          </a:fontRef>
+        </p:style>
+        <p:txBody>
+          <a:bodyPr rtlCol="0" anchor="ctr"/>
+          <a:lstStyle/>
+          <a:p>
+            <a:pPr algn="ctr"/>
+            <a:endParaRPr lang="fr-FR"/>
+          </a:p>
+        </p:txBody>
+      </p:sp>
+      <p:sp>
+        <p:nvSpPr>
           <p:cNvPr id="4" name="ZoneTexte 3">
             <a:extLst>
               <a:ext uri="{FF2B5EF4-FFF2-40B4-BE49-F238E27FC236}">
@@ -11435,8 +12310,8 @@
         </p:nvSpPr>
         <p:spPr>
           <a:xfrm>
-            <a:off x="4501043" y="5278149"/>
-            <a:ext cx="2080441" cy="338554"/>
+            <a:off x="4666630" y="5277384"/>
+            <a:ext cx="1653338" cy="338554"/>
           </a:xfrm>
           <a:prstGeom prst="rect">
             <a:avLst/>
@@ -11451,7 +12326,7 @@
           <a:p>
             <a:r>
               <a:rPr lang="fr-FR" sz="1600" dirty="0"/>
-              <a:t>Position de la camera</a:t>
+              <a:t>Camera position</a:t>
             </a:r>
           </a:p>
         </p:txBody>
@@ -12155,50 +13030,6 @@
           <a:xfrm flipV="1">
             <a:off x="5541264" y="1738006"/>
             <a:ext cx="206267" cy="3117458"/>
-          </a:xfrm>
-          <a:prstGeom prst="straightConnector1">
-            <a:avLst/>
-          </a:prstGeom>
-          <a:ln>
-            <a:solidFill>
-              <a:srgbClr val="FF0000"/>
-            </a:solidFill>
-            <a:tailEnd type="triangle"/>
-          </a:ln>
-        </p:spPr>
-        <p:style>
-          <a:lnRef idx="2">
-            <a:schemeClr val="accent1"/>
-          </a:lnRef>
-          <a:fillRef idx="0">
-            <a:schemeClr val="accent1"/>
-          </a:fillRef>
-          <a:effectRef idx="1">
-            <a:schemeClr val="accent1"/>
-          </a:effectRef>
-          <a:fontRef idx="minor">
-            <a:schemeClr val="tx1"/>
-          </a:fontRef>
-        </p:style>
-      </p:cxnSp>
-      <p:cxnSp>
-        <p:nvCxnSpPr>
-          <p:cNvPr id="36" name="Connecteur droit avec flèche 35">
-            <a:extLst>
-              <a:ext uri="{FF2B5EF4-FFF2-40B4-BE49-F238E27FC236}">
-                <a16:creationId xmlns:a16="http://schemas.microsoft.com/office/drawing/2014/main" id="{0971C3F2-CAC1-4AB0-4E4C-9B90F8EF1EDB}"/>
-              </a:ext>
-            </a:extLst>
-          </p:cNvPr>
-          <p:cNvCxnSpPr>
-            <a:cxnSpLocks/>
-          </p:cNvCxnSpPr>
-          <p:nvPr/>
-        </p:nvCxnSpPr>
-        <p:spPr>
-          <a:xfrm flipH="1" flipV="1">
-            <a:off x="5443538" y="1890406"/>
-            <a:ext cx="250126" cy="3117458"/>
           </a:xfrm>
           <a:prstGeom prst="straightConnector1">
             <a:avLst/>
@@ -12263,10 +13094,10 @@
       </p:grpSpPr>
       <p:sp>
         <p:nvSpPr>
-          <p:cNvPr id="3" name="Ellipse 2">
-            <a:extLst>
-              <a:ext uri="{FF2B5EF4-FFF2-40B4-BE49-F238E27FC236}">
-                <a16:creationId xmlns:a16="http://schemas.microsoft.com/office/drawing/2014/main" id="{9C60417E-145D-2036-D70C-3FE2C03FF8A8}"/>
+          <p:cNvPr id="2" name="Rectangle : coins arrondis 1">
+            <a:extLst>
+              <a:ext uri="{FF2B5EF4-FFF2-40B4-BE49-F238E27FC236}">
+                <a16:creationId xmlns:a16="http://schemas.microsoft.com/office/drawing/2014/main" id="{1AD05C90-B02C-872E-FFB6-22F6B68D40DA}"/>
               </a:ext>
             </a:extLst>
           </p:cNvPr>
@@ -12275,12 +13106,24 @@
         </p:nvSpPr>
         <p:spPr>
           <a:xfrm>
-            <a:off x="5422392" y="4855464"/>
-            <a:ext cx="237744" cy="237744"/>
-          </a:xfrm>
-          <a:prstGeom prst="ellipse">
-            <a:avLst/>
-          </a:prstGeom>
+            <a:off x="0" y="0"/>
+            <a:ext cx="10635916" cy="6858000"/>
+          </a:xfrm>
+          <a:prstGeom prst="roundRect">
+            <a:avLst>
+              <a:gd name="adj" fmla="val 1579"/>
+            </a:avLst>
+          </a:prstGeom>
+          <a:solidFill>
+            <a:schemeClr val="bg1"/>
+          </a:solidFill>
+          <a:ln w="6350">
+            <a:solidFill>
+              <a:schemeClr val="bg1">
+                <a:lumMod val="85000"/>
+              </a:schemeClr>
+            </a:solidFill>
+          </a:ln>
         </p:spPr>
         <p:style>
           <a:lnRef idx="2">
@@ -12309,6 +13152,52 @@
       </p:sp>
       <p:sp>
         <p:nvSpPr>
+          <p:cNvPr id="3" name="Ellipse 2">
+            <a:extLst>
+              <a:ext uri="{FF2B5EF4-FFF2-40B4-BE49-F238E27FC236}">
+                <a16:creationId xmlns:a16="http://schemas.microsoft.com/office/drawing/2014/main" id="{9C60417E-145D-2036-D70C-3FE2C03FF8A8}"/>
+              </a:ext>
+            </a:extLst>
+          </p:cNvPr>
+          <p:cNvSpPr/>
+          <p:nvPr/>
+        </p:nvSpPr>
+        <p:spPr>
+          <a:xfrm>
+            <a:off x="5422392" y="4855464"/>
+            <a:ext cx="237744" cy="237744"/>
+          </a:xfrm>
+          <a:prstGeom prst="ellipse">
+            <a:avLst/>
+          </a:prstGeom>
+        </p:spPr>
+        <p:style>
+          <a:lnRef idx="2">
+            <a:schemeClr val="accent1">
+              <a:shade val="15000"/>
+            </a:schemeClr>
+          </a:lnRef>
+          <a:fillRef idx="1">
+            <a:schemeClr val="accent1"/>
+          </a:fillRef>
+          <a:effectRef idx="0">
+            <a:schemeClr val="accent1"/>
+          </a:effectRef>
+          <a:fontRef idx="minor">
+            <a:schemeClr val="lt1"/>
+          </a:fontRef>
+        </p:style>
+        <p:txBody>
+          <a:bodyPr rtlCol="0" anchor="ctr"/>
+          <a:lstStyle/>
+          <a:p>
+            <a:pPr algn="ctr"/>
+            <a:endParaRPr lang="fr-FR"/>
+          </a:p>
+        </p:txBody>
+      </p:sp>
+      <p:sp>
+        <p:nvSpPr>
           <p:cNvPr id="4" name="ZoneTexte 3">
             <a:extLst>
               <a:ext uri="{FF2B5EF4-FFF2-40B4-BE49-F238E27FC236}">
@@ -12322,7 +13211,7 @@
         <p:spPr>
           <a:xfrm>
             <a:off x="4501043" y="5278149"/>
-            <a:ext cx="2080441" cy="338554"/>
+            <a:ext cx="1653338" cy="338554"/>
           </a:xfrm>
           <a:prstGeom prst="rect">
             <a:avLst/>
@@ -12337,7 +13226,7 @@
           <a:p>
             <a:r>
               <a:rPr lang="fr-FR" sz="1600" dirty="0"/>
-              <a:t>Position de la camera</a:t>
+              <a:t>Camera position</a:t>
             </a:r>
           </a:p>
         </p:txBody>
@@ -13189,10 +14078,10 @@
       </p:grpSpPr>
       <p:sp>
         <p:nvSpPr>
-          <p:cNvPr id="3" name="Ellipse 2">
-            <a:extLst>
-              <a:ext uri="{FF2B5EF4-FFF2-40B4-BE49-F238E27FC236}">
-                <a16:creationId xmlns:a16="http://schemas.microsoft.com/office/drawing/2014/main" id="{D87F2D02-488C-3435-452F-577C9875BE35}"/>
+          <p:cNvPr id="5" name="Rectangle : coins arrondis 4">
+            <a:extLst>
+              <a:ext uri="{FF2B5EF4-FFF2-40B4-BE49-F238E27FC236}">
+                <a16:creationId xmlns:a16="http://schemas.microsoft.com/office/drawing/2014/main" id="{45626B85-EE72-5335-E51A-B900650CCCE5}"/>
               </a:ext>
             </a:extLst>
           </p:cNvPr>
@@ -13201,12 +14090,24 @@
         </p:nvSpPr>
         <p:spPr>
           <a:xfrm>
-            <a:off x="5422392" y="4855464"/>
-            <a:ext cx="237744" cy="237744"/>
-          </a:xfrm>
-          <a:prstGeom prst="ellipse">
-            <a:avLst/>
-          </a:prstGeom>
+            <a:off x="1550281" y="-10901"/>
+            <a:ext cx="10635916" cy="6858000"/>
+          </a:xfrm>
+          <a:prstGeom prst="roundRect">
+            <a:avLst>
+              <a:gd name="adj" fmla="val 1579"/>
+            </a:avLst>
+          </a:prstGeom>
+          <a:solidFill>
+            <a:schemeClr val="bg1"/>
+          </a:solidFill>
+          <a:ln w="6350">
+            <a:solidFill>
+              <a:schemeClr val="bg1">
+                <a:lumMod val="85000"/>
+              </a:schemeClr>
+            </a:solidFill>
+          </a:ln>
         </p:spPr>
         <p:style>
           <a:lnRef idx="2">
@@ -13235,6 +14136,52 @@
       </p:sp>
       <p:sp>
         <p:nvSpPr>
+          <p:cNvPr id="3" name="Ellipse 2">
+            <a:extLst>
+              <a:ext uri="{FF2B5EF4-FFF2-40B4-BE49-F238E27FC236}">
+                <a16:creationId xmlns:a16="http://schemas.microsoft.com/office/drawing/2014/main" id="{D87F2D02-488C-3435-452F-577C9875BE35}"/>
+              </a:ext>
+            </a:extLst>
+          </p:cNvPr>
+          <p:cNvSpPr/>
+          <p:nvPr/>
+        </p:nvSpPr>
+        <p:spPr>
+          <a:xfrm>
+            <a:off x="5422392" y="4855464"/>
+            <a:ext cx="237744" cy="237744"/>
+          </a:xfrm>
+          <a:prstGeom prst="ellipse">
+            <a:avLst/>
+          </a:prstGeom>
+        </p:spPr>
+        <p:style>
+          <a:lnRef idx="2">
+            <a:schemeClr val="accent1">
+              <a:shade val="15000"/>
+            </a:schemeClr>
+          </a:lnRef>
+          <a:fillRef idx="1">
+            <a:schemeClr val="accent1"/>
+          </a:fillRef>
+          <a:effectRef idx="0">
+            <a:schemeClr val="accent1"/>
+          </a:effectRef>
+          <a:fontRef idx="minor">
+            <a:schemeClr val="lt1"/>
+          </a:fontRef>
+        </p:style>
+        <p:txBody>
+          <a:bodyPr rtlCol="0" anchor="ctr"/>
+          <a:lstStyle/>
+          <a:p>
+            <a:pPr algn="ctr"/>
+            <a:endParaRPr lang="fr-FR"/>
+          </a:p>
+        </p:txBody>
+      </p:sp>
+      <p:sp>
+        <p:nvSpPr>
           <p:cNvPr id="4" name="ZoneTexte 3">
             <a:extLst>
               <a:ext uri="{FF2B5EF4-FFF2-40B4-BE49-F238E27FC236}">
@@ -13248,7 +14195,7 @@
         <p:spPr>
           <a:xfrm>
             <a:off x="4501043" y="5278149"/>
-            <a:ext cx="2080441" cy="338554"/>
+            <a:ext cx="1653338" cy="338554"/>
           </a:xfrm>
           <a:prstGeom prst="rect">
             <a:avLst/>
@@ -13263,7 +14210,7 @@
           <a:p>
             <a:r>
               <a:rPr lang="fr-FR" sz="1600" dirty="0"/>
-              <a:t>Position de la camera</a:t>
+              <a:t>Camera position</a:t>
             </a:r>
           </a:p>
         </p:txBody>
@@ -14227,7 +15174,7 @@
         <p:spPr>
           <a:xfrm>
             <a:off x="7670963" y="4061609"/>
-            <a:ext cx="4196726" cy="584775"/>
+            <a:ext cx="4506555" cy="584775"/>
           </a:xfrm>
           <a:prstGeom prst="rect">
             <a:avLst/>
@@ -14242,13 +15189,62 @@
           <a:p>
             <a:r>
               <a:rPr lang="fr-FR" sz="1600" dirty="0"/>
-              <a:t>Si la camera est orienté vers l’axe z-positive</a:t>
-            </a:r>
-          </a:p>
-          <a:p>
+              <a:t>If the camera </a:t>
+            </a:r>
+            <a:r>
+              <a:rPr lang="fr-FR" sz="1600" dirty="0" err="1"/>
+              <a:t>is</a:t>
+            </a:r>
             <a:r>
               <a:rPr lang="fr-FR" sz="1600" dirty="0"/>
-              <a:t>et notre image est 1 unité plus loin sur cet axe</a:t>
+              <a:t> </a:t>
+            </a:r>
+            <a:r>
+              <a:rPr lang="fr-FR" sz="1600" dirty="0" err="1"/>
+              <a:t>oriented</a:t>
+            </a:r>
+            <a:r>
+              <a:rPr lang="fr-FR" sz="1600" dirty="0"/>
+              <a:t> </a:t>
+            </a:r>
+            <a:r>
+              <a:rPr lang="fr-FR" sz="1600" dirty="0" err="1"/>
+              <a:t>facing</a:t>
+            </a:r>
+            <a:r>
+              <a:rPr lang="fr-FR" sz="1600" dirty="0"/>
+              <a:t> the positive z-axis</a:t>
+            </a:r>
+            <a:br>
+              <a:rPr lang="fr-FR" sz="1600" dirty="0"/>
+            </a:br>
+            <a:r>
+              <a:rPr lang="fr-FR" sz="1600" dirty="0"/>
+              <a:t>and </a:t>
+            </a:r>
+            <a:r>
+              <a:rPr lang="fr-FR" sz="1600" dirty="0" err="1"/>
+              <a:t>our</a:t>
+            </a:r>
+            <a:r>
+              <a:rPr lang="fr-FR" sz="1600" dirty="0"/>
+              <a:t> image </a:t>
+            </a:r>
+            <a:r>
+              <a:rPr lang="fr-FR" sz="1600" dirty="0" err="1"/>
+              <a:t>is</a:t>
+            </a:r>
+            <a:r>
+              <a:rPr lang="fr-FR" sz="1600" dirty="0"/>
+              <a:t> 1 unit down </a:t>
+            </a:r>
+            <a:r>
+              <a:rPr lang="fr-FR" sz="1600" dirty="0" err="1"/>
+              <a:t>this</a:t>
+            </a:r>
+            <a:r>
+              <a:rPr lang="fr-FR" sz="1600" dirty="0"/>
+              <a:t> axis</a:t>
             </a:r>
           </a:p>
         </p:txBody>
@@ -14283,6 +15279,64 @@
           <a:chExt cx="0" cy="0"/>
         </a:xfrm>
       </p:grpSpPr>
+      <p:sp>
+        <p:nvSpPr>
+          <p:cNvPr id="3" name="Rectangle : coins arrondis 2">
+            <a:extLst>
+              <a:ext uri="{FF2B5EF4-FFF2-40B4-BE49-F238E27FC236}">
+                <a16:creationId xmlns:a16="http://schemas.microsoft.com/office/drawing/2014/main" id="{36B2022A-AE53-4963-D937-CC6AAA5688C2}"/>
+              </a:ext>
+            </a:extLst>
+          </p:cNvPr>
+          <p:cNvSpPr/>
+          <p:nvPr/>
+        </p:nvSpPr>
+        <p:spPr>
+          <a:xfrm>
+            <a:off x="778042" y="0"/>
+            <a:ext cx="10635916" cy="6858000"/>
+          </a:xfrm>
+          <a:prstGeom prst="roundRect">
+            <a:avLst>
+              <a:gd name="adj" fmla="val 1579"/>
+            </a:avLst>
+          </a:prstGeom>
+          <a:solidFill>
+            <a:schemeClr val="bg1"/>
+          </a:solidFill>
+          <a:ln w="6350">
+            <a:solidFill>
+              <a:schemeClr val="bg1">
+                <a:lumMod val="85000"/>
+              </a:schemeClr>
+            </a:solidFill>
+          </a:ln>
+        </p:spPr>
+        <p:style>
+          <a:lnRef idx="2">
+            <a:schemeClr val="accent1">
+              <a:shade val="15000"/>
+            </a:schemeClr>
+          </a:lnRef>
+          <a:fillRef idx="1">
+            <a:schemeClr val="accent1"/>
+          </a:fillRef>
+          <a:effectRef idx="0">
+            <a:schemeClr val="accent1"/>
+          </a:effectRef>
+          <a:fontRef idx="minor">
+            <a:schemeClr val="lt1"/>
+          </a:fontRef>
+        </p:style>
+        <p:txBody>
+          <a:bodyPr rtlCol="0" anchor="ctr"/>
+          <a:lstStyle/>
+          <a:p>
+            <a:pPr algn="ctr"/>
+            <a:endParaRPr lang="fr-FR"/>
+          </a:p>
+        </p:txBody>
+      </p:sp>
       <p:cxnSp>
         <p:nvCxnSpPr>
           <p:cNvPr id="2" name="Connecteur droit 1">
@@ -14430,7 +15484,7 @@
         <p:spPr>
           <a:xfrm>
             <a:off x="6666922" y="2176273"/>
-            <a:ext cx="3352136" cy="338554"/>
+            <a:ext cx="2773452" cy="338554"/>
           </a:xfrm>
           <a:prstGeom prst="rect">
             <a:avLst/>
@@ -14445,7 +15499,15 @@
           <a:p>
             <a:r>
               <a:rPr lang="fr-FR" sz="1600" dirty="0"/>
-              <a:t>(1,2) interprété comme une position</a:t>
+              <a:t>(1,2) </a:t>
+            </a:r>
+            <a:r>
+              <a:rPr lang="fr-FR" sz="1600" dirty="0" err="1"/>
+              <a:t>Interpreted</a:t>
+            </a:r>
+            <a:r>
+              <a:rPr lang="fr-FR" sz="1600" dirty="0"/>
+              <a:t> as a position</a:t>
             </a:r>
           </a:p>
         </p:txBody>
@@ -14685,6 +15747,64 @@
           <a:chExt cx="0" cy="0"/>
         </a:xfrm>
       </p:grpSpPr>
+      <p:sp>
+        <p:nvSpPr>
+          <p:cNvPr id="3" name="Rectangle : coins arrondis 2">
+            <a:extLst>
+              <a:ext uri="{FF2B5EF4-FFF2-40B4-BE49-F238E27FC236}">
+                <a16:creationId xmlns:a16="http://schemas.microsoft.com/office/drawing/2014/main" id="{BB1A56BB-5321-E65E-95DB-B4A905E44778}"/>
+              </a:ext>
+            </a:extLst>
+          </p:cNvPr>
+          <p:cNvSpPr/>
+          <p:nvPr/>
+        </p:nvSpPr>
+        <p:spPr>
+          <a:xfrm>
+            <a:off x="778042" y="0"/>
+            <a:ext cx="10635916" cy="6858000"/>
+          </a:xfrm>
+          <a:prstGeom prst="roundRect">
+            <a:avLst>
+              <a:gd name="adj" fmla="val 1579"/>
+            </a:avLst>
+          </a:prstGeom>
+          <a:solidFill>
+            <a:schemeClr val="bg1"/>
+          </a:solidFill>
+          <a:ln w="6350">
+            <a:solidFill>
+              <a:schemeClr val="bg1">
+                <a:lumMod val="85000"/>
+              </a:schemeClr>
+            </a:solidFill>
+          </a:ln>
+        </p:spPr>
+        <p:style>
+          <a:lnRef idx="2">
+            <a:schemeClr val="accent1">
+              <a:shade val="15000"/>
+            </a:schemeClr>
+          </a:lnRef>
+          <a:fillRef idx="1">
+            <a:schemeClr val="accent1"/>
+          </a:fillRef>
+          <a:effectRef idx="0">
+            <a:schemeClr val="accent1"/>
+          </a:effectRef>
+          <a:fontRef idx="minor">
+            <a:schemeClr val="lt1"/>
+          </a:fontRef>
+        </p:style>
+        <p:txBody>
+          <a:bodyPr rtlCol="0" anchor="ctr"/>
+          <a:lstStyle/>
+          <a:p>
+            <a:pPr algn="ctr"/>
+            <a:endParaRPr lang="fr-FR"/>
+          </a:p>
+        </p:txBody>
+      </p:sp>
       <p:cxnSp>
         <p:nvCxnSpPr>
           <p:cNvPr id="2" name="Connecteur droit 1">
@@ -14786,7 +15906,7 @@
         <p:spPr>
           <a:xfrm>
             <a:off x="6666922" y="2176273"/>
-            <a:ext cx="4344523" cy="338554"/>
+            <a:ext cx="3557128" cy="338554"/>
           </a:xfrm>
           <a:prstGeom prst="rect">
             <a:avLst/>
@@ -14801,7 +15921,15 @@
           <a:p>
             <a:r>
               <a:rPr lang="fr-FR" sz="1600" dirty="0"/>
-              <a:t>(1,2) interprété comme une direction (ou rayon)</a:t>
+              <a:t>(1,2) </a:t>
+            </a:r>
+            <a:r>
+              <a:rPr lang="fr-FR" sz="1600" dirty="0" err="1"/>
+              <a:t>Interpreted</a:t>
+            </a:r>
+            <a:r>
+              <a:rPr lang="fr-FR" sz="1600" dirty="0"/>
+              <a:t> as a direction (or Ray)</a:t>
             </a:r>
           </a:p>
         </p:txBody>
@@ -15117,6 +16245,64 @@
           <a:chExt cx="0" cy="0"/>
         </a:xfrm>
       </p:grpSpPr>
+      <p:sp>
+        <p:nvSpPr>
+          <p:cNvPr id="6" name="Rectangle : coins arrondis 5">
+            <a:extLst>
+              <a:ext uri="{FF2B5EF4-FFF2-40B4-BE49-F238E27FC236}">
+                <a16:creationId xmlns:a16="http://schemas.microsoft.com/office/drawing/2014/main" id="{D5D75D50-49DB-48D3-CEB2-65EF0C2EAD12}"/>
+              </a:ext>
+            </a:extLst>
+          </p:cNvPr>
+          <p:cNvSpPr/>
+          <p:nvPr/>
+        </p:nvSpPr>
+        <p:spPr>
+          <a:xfrm>
+            <a:off x="778042" y="0"/>
+            <a:ext cx="10635916" cy="6858000"/>
+          </a:xfrm>
+          <a:prstGeom prst="roundRect">
+            <a:avLst>
+              <a:gd name="adj" fmla="val 1579"/>
+            </a:avLst>
+          </a:prstGeom>
+          <a:solidFill>
+            <a:schemeClr val="bg1"/>
+          </a:solidFill>
+          <a:ln w="6350">
+            <a:solidFill>
+              <a:schemeClr val="bg1">
+                <a:lumMod val="85000"/>
+              </a:schemeClr>
+            </a:solidFill>
+          </a:ln>
+        </p:spPr>
+        <p:style>
+          <a:lnRef idx="2">
+            <a:schemeClr val="accent1">
+              <a:shade val="15000"/>
+            </a:schemeClr>
+          </a:lnRef>
+          <a:fillRef idx="1">
+            <a:schemeClr val="accent1"/>
+          </a:fillRef>
+          <a:effectRef idx="0">
+            <a:schemeClr val="accent1"/>
+          </a:effectRef>
+          <a:fontRef idx="minor">
+            <a:schemeClr val="lt1"/>
+          </a:fontRef>
+        </p:style>
+        <p:txBody>
+          <a:bodyPr rtlCol="0" anchor="ctr"/>
+          <a:lstStyle/>
+          <a:p>
+            <a:pPr algn="ctr"/>
+            <a:endParaRPr lang="fr-FR"/>
+          </a:p>
+        </p:txBody>
+      </p:sp>
       <p:cxnSp>
         <p:nvCxnSpPr>
           <p:cNvPr id="2" name="Connecteur droit 1">

--- a/src/diagrams.pptx
+++ b/src/diagrams.pptx
@@ -15,13 +15,15 @@
     <p:sldId id="262" r:id="rId9"/>
     <p:sldId id="267" r:id="rId10"/>
     <p:sldId id="263" r:id="rId11"/>
-    <p:sldId id="264" r:id="rId12"/>
-    <p:sldId id="268" r:id="rId13"/>
-    <p:sldId id="269" r:id="rId14"/>
-    <p:sldId id="270" r:id="rId15"/>
-    <p:sldId id="271" r:id="rId16"/>
-    <p:sldId id="272" r:id="rId17"/>
-    <p:sldId id="266" r:id="rId18"/>
+    <p:sldId id="273" r:id="rId12"/>
+    <p:sldId id="264" r:id="rId13"/>
+    <p:sldId id="274" r:id="rId14"/>
+    <p:sldId id="268" r:id="rId15"/>
+    <p:sldId id="269" r:id="rId16"/>
+    <p:sldId id="270" r:id="rId17"/>
+    <p:sldId id="271" r:id="rId18"/>
+    <p:sldId id="272" r:id="rId19"/>
+    <p:sldId id="266" r:id="rId20"/>
   </p:sldIdLst>
   <p:sldSz cx="12192000" cy="6858000"/>
   <p:notesSz cx="6858000" cy="9144000"/>
@@ -4503,7 +4505,13 @@
   <p:cSld>
     <p:spTree>
       <p:nvGrpSpPr>
-        <p:cNvPr id="1" name=""/>
+        <p:cNvPr id="1" name="">
+          <a:extLst>
+            <a:ext uri="{FF2B5EF4-FFF2-40B4-BE49-F238E27FC236}">
+              <a16:creationId xmlns:a16="http://schemas.microsoft.com/office/drawing/2014/main" id="{3ADBB8B7-963C-7248-2CED-9F612ACA680C}"/>
+            </a:ext>
+          </a:extLst>
+        </p:cNvPr>
         <p:cNvGrpSpPr/>
         <p:nvPr/>
       </p:nvGrpSpPr>
@@ -4520,7 +4528,7 @@
           <p:cNvPr id="4" name="Rectangle : coins arrondis 3">
             <a:extLst>
               <a:ext uri="{FF2B5EF4-FFF2-40B4-BE49-F238E27FC236}">
-                <a16:creationId xmlns:a16="http://schemas.microsoft.com/office/drawing/2014/main" id="{0AB12698-A470-A3A2-117C-4C60C41E56D6}"/>
+                <a16:creationId xmlns:a16="http://schemas.microsoft.com/office/drawing/2014/main" id="{AAF1BC14-D1B7-A4A2-1763-9DC59DE86622}"/>
               </a:ext>
             </a:extLst>
           </p:cNvPr>
@@ -4529,8 +4537,8 @@
         </p:nvSpPr>
         <p:spPr>
           <a:xfrm>
-            <a:off x="2057400" y="0"/>
-            <a:ext cx="10134600" cy="4837402"/>
+            <a:off x="2057399" y="-1"/>
+            <a:ext cx="5173580" cy="5053264"/>
           </a:xfrm>
           <a:prstGeom prst="roundRect">
             <a:avLst>
@@ -4578,7 +4586,7 @@
           <p:cNvPr id="2" name="Connecteur droit avec flèche 1">
             <a:extLst>
               <a:ext uri="{FF2B5EF4-FFF2-40B4-BE49-F238E27FC236}">
-                <a16:creationId xmlns:a16="http://schemas.microsoft.com/office/drawing/2014/main" id="{FF59F7CA-A157-4598-F7BD-6B94C519D615}"/>
+                <a16:creationId xmlns:a16="http://schemas.microsoft.com/office/drawing/2014/main" id="{7C72A8A0-BBA4-572F-82A6-4E527581ECAA}"/>
               </a:ext>
             </a:extLst>
           </p:cNvPr>
@@ -4623,7 +4631,7 @@
           <p:cNvPr id="3" name="Ellipse 2">
             <a:extLst>
               <a:ext uri="{FF2B5EF4-FFF2-40B4-BE49-F238E27FC236}">
-                <a16:creationId xmlns:a16="http://schemas.microsoft.com/office/drawing/2014/main" id="{C1533C6A-07F6-B479-74DD-05AA5F55F388}"/>
+                <a16:creationId xmlns:a16="http://schemas.microsoft.com/office/drawing/2014/main" id="{2BCC271F-FC0D-6434-F68D-3ACC7E37795B}"/>
               </a:ext>
             </a:extLst>
           </p:cNvPr>
@@ -4669,7 +4677,7 @@
           <p:cNvPr id="6" name="Ellipse 5">
             <a:extLst>
               <a:ext uri="{FF2B5EF4-FFF2-40B4-BE49-F238E27FC236}">
-                <a16:creationId xmlns:a16="http://schemas.microsoft.com/office/drawing/2014/main" id="{611CDF9C-9BBD-2EC6-960A-E06E7F4DEC21}"/>
+                <a16:creationId xmlns:a16="http://schemas.microsoft.com/office/drawing/2014/main" id="{39726EFB-E81E-105F-A6CD-BF112F371137}"/>
               </a:ext>
             </a:extLst>
           </p:cNvPr>
@@ -4715,7 +4723,7 @@
           <p:cNvPr id="8" name="Ellipse 7">
             <a:extLst>
               <a:ext uri="{FF2B5EF4-FFF2-40B4-BE49-F238E27FC236}">
-                <a16:creationId xmlns:a16="http://schemas.microsoft.com/office/drawing/2014/main" id="{38E82CE2-DF60-E99A-38F1-3A1D21BA40EF}"/>
+                <a16:creationId xmlns:a16="http://schemas.microsoft.com/office/drawing/2014/main" id="{F0D52F58-B0E9-EEE6-6223-01CDBA66E7AC}"/>
               </a:ext>
             </a:extLst>
           </p:cNvPr>
@@ -4764,7 +4772,7 @@
           <p:cNvPr id="9" name="ZoneTexte 8">
             <a:extLst>
               <a:ext uri="{FF2B5EF4-FFF2-40B4-BE49-F238E27FC236}">
-                <a16:creationId xmlns:a16="http://schemas.microsoft.com/office/drawing/2014/main" id="{50D775E1-3489-3CC4-D55A-4B981CC0C600}"/>
+                <a16:creationId xmlns:a16="http://schemas.microsoft.com/office/drawing/2014/main" id="{AE46E9F4-4A9F-ABB8-AC2B-510D8575B25B}"/>
               </a:ext>
             </a:extLst>
           </p:cNvPr>
@@ -4799,7 +4807,7 @@
           <p:cNvPr id="10" name="Connecteur droit avec flèche 9">
             <a:extLst>
               <a:ext uri="{FF2B5EF4-FFF2-40B4-BE49-F238E27FC236}">
-                <a16:creationId xmlns:a16="http://schemas.microsoft.com/office/drawing/2014/main" id="{BD0C1F7E-7FEE-1E57-7F95-901DF5FC8A0D}"/>
+                <a16:creationId xmlns:a16="http://schemas.microsoft.com/office/drawing/2014/main" id="{F1DF426A-630B-5997-873F-57861F8B5FC4}"/>
               </a:ext>
             </a:extLst>
           </p:cNvPr>
@@ -4846,7 +4854,7 @@
           <p:cNvPr id="13" name="ZoneTexte 12">
             <a:extLst>
               <a:ext uri="{FF2B5EF4-FFF2-40B4-BE49-F238E27FC236}">
-                <a16:creationId xmlns:a16="http://schemas.microsoft.com/office/drawing/2014/main" id="{9A546CD2-F93F-1401-B614-AF5FDD4703AB}"/>
+                <a16:creationId xmlns:a16="http://schemas.microsoft.com/office/drawing/2014/main" id="{B7E18692-1A32-B1E3-FB35-9DE7CD486102}"/>
               </a:ext>
             </a:extLst>
           </p:cNvPr>
@@ -4884,198 +4892,12 @@
           </a:p>
         </p:txBody>
       </p:sp>
-      <p:cxnSp>
-        <p:nvCxnSpPr>
-          <p:cNvPr id="14" name="Connecteur droit avec flèche 13">
-            <a:extLst>
-              <a:ext uri="{FF2B5EF4-FFF2-40B4-BE49-F238E27FC236}">
-                <a16:creationId xmlns:a16="http://schemas.microsoft.com/office/drawing/2014/main" id="{F41DC303-C049-BF16-DAD0-400C127BD1CE}"/>
-              </a:ext>
-            </a:extLst>
-          </p:cNvPr>
-          <p:cNvCxnSpPr>
-            <a:cxnSpLocks/>
-            <a:stCxn id="15" idx="7"/>
-          </p:cNvCxnSpPr>
-          <p:nvPr/>
-        </p:nvCxnSpPr>
-        <p:spPr>
-          <a:xfrm flipV="1">
-            <a:off x="7517390" y="2926080"/>
-            <a:ext cx="1574796" cy="1416670"/>
-          </a:xfrm>
-          <a:prstGeom prst="straightConnector1">
-            <a:avLst/>
-          </a:prstGeom>
-          <a:ln w="50800">
-            <a:solidFill>
-              <a:srgbClr val="FF0000"/>
-            </a:solidFill>
-            <a:tailEnd type="triangle"/>
-          </a:ln>
-        </p:spPr>
-        <p:style>
-          <a:lnRef idx="2">
-            <a:schemeClr val="accent1"/>
-          </a:lnRef>
-          <a:fillRef idx="0">
-            <a:schemeClr val="accent1"/>
-          </a:fillRef>
-          <a:effectRef idx="1">
-            <a:schemeClr val="accent1"/>
-          </a:effectRef>
-          <a:fontRef idx="minor">
-            <a:schemeClr val="tx1"/>
-          </a:fontRef>
-        </p:style>
-      </p:cxnSp>
-      <p:sp>
-        <p:nvSpPr>
-          <p:cNvPr id="15" name="Ellipse 14">
-            <a:extLst>
-              <a:ext uri="{FF2B5EF4-FFF2-40B4-BE49-F238E27FC236}">
-                <a16:creationId xmlns:a16="http://schemas.microsoft.com/office/drawing/2014/main" id="{EC3540F5-7914-9918-9E07-27767D68DA50}"/>
-              </a:ext>
-            </a:extLst>
-          </p:cNvPr>
-          <p:cNvSpPr/>
-          <p:nvPr/>
-        </p:nvSpPr>
-        <p:spPr>
-          <a:xfrm>
-            <a:off x="7345682" y="4315968"/>
-            <a:ext cx="201168" cy="182880"/>
-          </a:xfrm>
-          <a:prstGeom prst="ellipse">
-            <a:avLst/>
-          </a:prstGeom>
-        </p:spPr>
-        <p:style>
-          <a:lnRef idx="2">
-            <a:schemeClr val="accent1">
-              <a:shade val="15000"/>
-            </a:schemeClr>
-          </a:lnRef>
-          <a:fillRef idx="1">
-            <a:schemeClr val="accent1"/>
-          </a:fillRef>
-          <a:effectRef idx="0">
-            <a:schemeClr val="accent1"/>
-          </a:effectRef>
-          <a:fontRef idx="minor">
-            <a:schemeClr val="lt1"/>
-          </a:fontRef>
-        </p:style>
-        <p:txBody>
-          <a:bodyPr rtlCol="0" anchor="ctr"/>
-          <a:lstStyle/>
-          <a:p>
-            <a:pPr algn="ctr"/>
-            <a:endParaRPr lang="fr-FR"/>
-          </a:p>
-        </p:txBody>
-      </p:sp>
-      <p:sp>
-        <p:nvSpPr>
-          <p:cNvPr id="16" name="Ellipse 15">
-            <a:extLst>
-              <a:ext uri="{FF2B5EF4-FFF2-40B4-BE49-F238E27FC236}">
-                <a16:creationId xmlns:a16="http://schemas.microsoft.com/office/drawing/2014/main" id="{1CFB3661-7C60-B2E8-6C54-4F1FF010BB23}"/>
-              </a:ext>
-            </a:extLst>
-          </p:cNvPr>
-          <p:cNvSpPr/>
-          <p:nvPr/>
-        </p:nvSpPr>
-        <p:spPr>
-          <a:xfrm>
-            <a:off x="7807454" y="155448"/>
-            <a:ext cx="2569464" cy="2450592"/>
-          </a:xfrm>
-          <a:prstGeom prst="ellipse">
-            <a:avLst/>
-          </a:prstGeom>
-        </p:spPr>
-        <p:style>
-          <a:lnRef idx="2">
-            <a:schemeClr val="accent1">
-              <a:shade val="15000"/>
-            </a:schemeClr>
-          </a:lnRef>
-          <a:fillRef idx="1">
-            <a:schemeClr val="accent1"/>
-          </a:fillRef>
-          <a:effectRef idx="0">
-            <a:schemeClr val="accent1"/>
-          </a:effectRef>
-          <a:fontRef idx="minor">
-            <a:schemeClr val="lt1"/>
-          </a:fontRef>
-        </p:style>
-        <p:txBody>
-          <a:bodyPr rtlCol="0" anchor="ctr"/>
-          <a:lstStyle/>
-          <a:p>
-            <a:pPr algn="ctr"/>
-            <a:endParaRPr lang="fr-FR"/>
-          </a:p>
-        </p:txBody>
-      </p:sp>
-      <p:sp>
-        <p:nvSpPr>
-          <p:cNvPr id="17" name="Ellipse 16">
-            <a:extLst>
-              <a:ext uri="{FF2B5EF4-FFF2-40B4-BE49-F238E27FC236}">
-                <a16:creationId xmlns:a16="http://schemas.microsoft.com/office/drawing/2014/main" id="{6E94A7E6-4421-51F8-6D1A-4C33DE5143CC}"/>
-              </a:ext>
-            </a:extLst>
-          </p:cNvPr>
-          <p:cNvSpPr/>
-          <p:nvPr/>
-        </p:nvSpPr>
-        <p:spPr>
-          <a:xfrm>
-            <a:off x="8955026" y="1248156"/>
-            <a:ext cx="274320" cy="265176"/>
-          </a:xfrm>
-          <a:prstGeom prst="ellipse">
-            <a:avLst/>
-          </a:prstGeom>
-          <a:solidFill>
-            <a:schemeClr val="tx1"/>
-          </a:solidFill>
-        </p:spPr>
-        <p:style>
-          <a:lnRef idx="2">
-            <a:schemeClr val="accent1">
-              <a:shade val="15000"/>
-            </a:schemeClr>
-          </a:lnRef>
-          <a:fillRef idx="1">
-            <a:schemeClr val="accent1"/>
-          </a:fillRef>
-          <a:effectRef idx="0">
-            <a:schemeClr val="accent1"/>
-          </a:effectRef>
-          <a:fontRef idx="minor">
-            <a:schemeClr val="lt1"/>
-          </a:fontRef>
-        </p:style>
-        <p:txBody>
-          <a:bodyPr rtlCol="0" anchor="ctr"/>
-          <a:lstStyle/>
-          <a:p>
-            <a:pPr algn="ctr"/>
-            <a:endParaRPr lang="fr-FR"/>
-          </a:p>
-        </p:txBody>
-      </p:sp>
-      <p:sp>
-        <p:nvSpPr>
-          <p:cNvPr id="18" name="ZoneTexte 17">
-            <a:extLst>
-              <a:ext uri="{FF2B5EF4-FFF2-40B4-BE49-F238E27FC236}">
-                <a16:creationId xmlns:a16="http://schemas.microsoft.com/office/drawing/2014/main" id="{9FA022DB-3215-D10F-DBB8-1AC890A2EC9E}"/>
+      <p:sp>
+        <p:nvSpPr>
+          <p:cNvPr id="29" name="ZoneTexte 28">
+            <a:extLst>
+              <a:ext uri="{FF2B5EF4-FFF2-40B4-BE49-F238E27FC236}">
+                <a16:creationId xmlns:a16="http://schemas.microsoft.com/office/drawing/2014/main" id="{D13889CE-A897-DCE7-9927-313F458F3292}"/>
               </a:ext>
             </a:extLst>
           </p:cNvPr>
@@ -5084,8 +4906,8 @@
         </p:nvSpPr>
         <p:spPr>
           <a:xfrm>
-            <a:off x="8334506" y="617215"/>
-            <a:ext cx="253596" cy="338554"/>
+            <a:off x="2657087" y="4421136"/>
+            <a:ext cx="298480" cy="338554"/>
           </a:xfrm>
           <a:prstGeom prst="rect">
             <a:avLst/>
@@ -5100,64 +4922,17 @@
           <a:p>
             <a:r>
               <a:rPr lang="fr-FR" sz="1600" dirty="0"/>
-              <a:t>r</a:t>
-            </a:r>
-          </a:p>
-        </p:txBody>
-      </p:sp>
-      <p:cxnSp>
-        <p:nvCxnSpPr>
-          <p:cNvPr id="19" name="Connecteur droit avec flèche 18">
-            <a:extLst>
-              <a:ext uri="{FF2B5EF4-FFF2-40B4-BE49-F238E27FC236}">
-                <a16:creationId xmlns:a16="http://schemas.microsoft.com/office/drawing/2014/main" id="{E7D7CA06-5BC8-9FB6-9DBA-37F5CEE1E4AF}"/>
-              </a:ext>
-            </a:extLst>
-          </p:cNvPr>
-          <p:cNvCxnSpPr>
-            <a:cxnSpLocks/>
-          </p:cNvCxnSpPr>
-          <p:nvPr/>
-        </p:nvCxnSpPr>
-        <p:spPr>
-          <a:xfrm flipH="1" flipV="1">
-            <a:off x="8122922" y="663381"/>
-            <a:ext cx="969264" cy="717363"/>
-          </a:xfrm>
-          <a:prstGeom prst="straightConnector1">
-            <a:avLst/>
-          </a:prstGeom>
-          <a:ln w="50800">
-            <a:solidFill>
-              <a:schemeClr val="accent4">
-                <a:lumMod val="40000"/>
-                <a:lumOff val="60000"/>
-              </a:schemeClr>
-            </a:solidFill>
-            <a:tailEnd type="triangle"/>
-          </a:ln>
-        </p:spPr>
-        <p:style>
-          <a:lnRef idx="2">
-            <a:schemeClr val="accent1"/>
-          </a:lnRef>
-          <a:fillRef idx="0">
-            <a:schemeClr val="accent1"/>
-          </a:fillRef>
-          <a:effectRef idx="1">
-            <a:schemeClr val="accent1"/>
-          </a:effectRef>
-          <a:fontRef idx="minor">
-            <a:schemeClr val="tx1"/>
-          </a:fontRef>
-        </p:style>
-      </p:cxnSp>
-      <p:sp>
-        <p:nvSpPr>
-          <p:cNvPr id="20" name="ZoneTexte 19">
-            <a:extLst>
-              <a:ext uri="{FF2B5EF4-FFF2-40B4-BE49-F238E27FC236}">
-                <a16:creationId xmlns:a16="http://schemas.microsoft.com/office/drawing/2014/main" id="{65F6BF6C-E72C-3D94-DE73-E9ADDC93C25F}"/>
+              <a:t>o</a:t>
+            </a:r>
+          </a:p>
+        </p:txBody>
+      </p:sp>
+      <p:sp>
+        <p:nvSpPr>
+          <p:cNvPr id="30" name="ZoneTexte 29">
+            <a:extLst>
+              <a:ext uri="{FF2B5EF4-FFF2-40B4-BE49-F238E27FC236}">
+                <a16:creationId xmlns:a16="http://schemas.microsoft.com/office/drawing/2014/main" id="{F5EC56C4-598B-FA38-3020-52226EFC47D3}"/>
               </a:ext>
             </a:extLst>
           </p:cNvPr>
@@ -5166,8 +4941,8 @@
         </p:nvSpPr>
         <p:spPr>
           <a:xfrm>
-            <a:off x="9244586" y="1161187"/>
-            <a:ext cx="684290" cy="338554"/>
+            <a:off x="3715790" y="3787152"/>
+            <a:ext cx="1468672" cy="338554"/>
           </a:xfrm>
           <a:prstGeom prst="rect">
             <a:avLst/>
@@ -5182,582 +4957,15 @@
           <a:p>
             <a:r>
               <a:rPr lang="fr-FR" sz="1600" dirty="0"/>
-              <a:t>c (</a:t>
+              <a:t>d (</a:t>
             </a:r>
             <a:r>
               <a:rPr lang="fr-FR" sz="1600" dirty="0" err="1"/>
-              <a:t>x,y</a:t>
+              <a:t>normalised</a:t>
             </a:r>
             <a:r>
               <a:rPr lang="fr-FR" sz="1600" dirty="0"/>
               <a:t>)</a:t>
-            </a:r>
-          </a:p>
-        </p:txBody>
-      </p:sp>
-      <p:cxnSp>
-        <p:nvCxnSpPr>
-          <p:cNvPr id="21" name="Connecteur droit avec flèche 20">
-            <a:extLst>
-              <a:ext uri="{FF2B5EF4-FFF2-40B4-BE49-F238E27FC236}">
-                <a16:creationId xmlns:a16="http://schemas.microsoft.com/office/drawing/2014/main" id="{27340F13-F5AE-D2E9-CAD3-E7F77B1A2AB1}"/>
-              </a:ext>
-            </a:extLst>
-          </p:cNvPr>
-          <p:cNvCxnSpPr>
-            <a:cxnSpLocks/>
-          </p:cNvCxnSpPr>
-          <p:nvPr/>
-        </p:nvCxnSpPr>
-        <p:spPr>
-          <a:xfrm flipV="1">
-            <a:off x="7517390" y="379801"/>
-            <a:ext cx="4369810" cy="3962949"/>
-          </a:xfrm>
-          <a:prstGeom prst="straightConnector1">
-            <a:avLst/>
-          </a:prstGeom>
-          <a:ln w="50800">
-            <a:solidFill>
-              <a:srgbClr val="FF0000"/>
-            </a:solidFill>
-            <a:prstDash val="sysDot"/>
-            <a:tailEnd type="triangle"/>
-          </a:ln>
-        </p:spPr>
-        <p:style>
-          <a:lnRef idx="2">
-            <a:schemeClr val="accent1"/>
-          </a:lnRef>
-          <a:fillRef idx="0">
-            <a:schemeClr val="accent1"/>
-          </a:fillRef>
-          <a:effectRef idx="1">
-            <a:schemeClr val="accent1"/>
-          </a:effectRef>
-          <a:fontRef idx="minor">
-            <a:schemeClr val="tx1"/>
-          </a:fontRef>
-        </p:style>
-      </p:cxnSp>
-      <p:cxnSp>
-        <p:nvCxnSpPr>
-          <p:cNvPr id="25" name="Connecteur droit avec flèche 24">
-            <a:extLst>
-              <a:ext uri="{FF2B5EF4-FFF2-40B4-BE49-F238E27FC236}">
-                <a16:creationId xmlns:a16="http://schemas.microsoft.com/office/drawing/2014/main" id="{61302DB6-FCC2-1F22-0846-3AC44426B7AA}"/>
-              </a:ext>
-            </a:extLst>
-          </p:cNvPr>
-          <p:cNvCxnSpPr>
-            <a:cxnSpLocks/>
-            <a:stCxn id="15" idx="7"/>
-          </p:cNvCxnSpPr>
-          <p:nvPr/>
-        </p:nvCxnSpPr>
-        <p:spPr>
-          <a:xfrm flipV="1">
-            <a:off x="7517390" y="1380744"/>
-            <a:ext cx="1574796" cy="2962006"/>
-          </a:xfrm>
-          <a:prstGeom prst="straightConnector1">
-            <a:avLst/>
-          </a:prstGeom>
-          <a:ln w="50800">
-            <a:solidFill>
-              <a:schemeClr val="accent5">
-                <a:lumMod val="60000"/>
-                <a:lumOff val="40000"/>
-              </a:schemeClr>
-            </a:solidFill>
-            <a:tailEnd type="triangle"/>
-          </a:ln>
-        </p:spPr>
-        <p:style>
-          <a:lnRef idx="2">
-            <a:schemeClr val="accent1"/>
-          </a:lnRef>
-          <a:fillRef idx="0">
-            <a:schemeClr val="accent1"/>
-          </a:fillRef>
-          <a:effectRef idx="1">
-            <a:schemeClr val="accent1"/>
-          </a:effectRef>
-          <a:fontRef idx="minor">
-            <a:schemeClr val="tx1"/>
-          </a:fontRef>
-        </p:style>
-      </p:cxnSp>
-      <p:sp>
-        <p:nvSpPr>
-          <p:cNvPr id="29" name="ZoneTexte 28">
-            <a:extLst>
-              <a:ext uri="{FF2B5EF4-FFF2-40B4-BE49-F238E27FC236}">
-                <a16:creationId xmlns:a16="http://schemas.microsoft.com/office/drawing/2014/main" id="{8B3B90B5-DD0D-4E85-75E0-604BC42C234E}"/>
-              </a:ext>
-            </a:extLst>
-          </p:cNvPr>
-          <p:cNvSpPr txBox="1"/>
-          <p:nvPr/>
-        </p:nvSpPr>
-        <p:spPr>
-          <a:xfrm>
-            <a:off x="2657087" y="4421136"/>
-            <a:ext cx="298480" cy="338554"/>
-          </a:xfrm>
-          <a:prstGeom prst="rect">
-            <a:avLst/>
-          </a:prstGeom>
-          <a:noFill/>
-        </p:spPr>
-        <p:txBody>
-          <a:bodyPr wrap="none" rtlCol="0">
-            <a:spAutoFit/>
-          </a:bodyPr>
-          <a:lstStyle/>
-          <a:p>
-            <a:r>
-              <a:rPr lang="fr-FR" sz="1600" dirty="0"/>
-              <a:t>o</a:t>
-            </a:r>
-          </a:p>
-        </p:txBody>
-      </p:sp>
-      <p:sp>
-        <p:nvSpPr>
-          <p:cNvPr id="30" name="ZoneTexte 29">
-            <a:extLst>
-              <a:ext uri="{FF2B5EF4-FFF2-40B4-BE49-F238E27FC236}">
-                <a16:creationId xmlns:a16="http://schemas.microsoft.com/office/drawing/2014/main" id="{40561253-1EA3-6BC9-6A94-FC0BDF5BD409}"/>
-              </a:ext>
-            </a:extLst>
-          </p:cNvPr>
-          <p:cNvSpPr txBox="1"/>
-          <p:nvPr/>
-        </p:nvSpPr>
-        <p:spPr>
-          <a:xfrm>
-            <a:off x="3715790" y="3787152"/>
-            <a:ext cx="1468672" cy="338554"/>
-          </a:xfrm>
-          <a:prstGeom prst="rect">
-            <a:avLst/>
-          </a:prstGeom>
-          <a:noFill/>
-        </p:spPr>
-        <p:txBody>
-          <a:bodyPr wrap="none" rtlCol="0">
-            <a:spAutoFit/>
-          </a:bodyPr>
-          <a:lstStyle/>
-          <a:p>
-            <a:r>
-              <a:rPr lang="fr-FR" sz="1600" dirty="0"/>
-              <a:t>d (</a:t>
-            </a:r>
-            <a:r>
-              <a:rPr lang="fr-FR" sz="1600" dirty="0" err="1"/>
-              <a:t>normalised</a:t>
-            </a:r>
-            <a:r>
-              <a:rPr lang="fr-FR" sz="1600" dirty="0"/>
-              <a:t>)</a:t>
-            </a:r>
-          </a:p>
-        </p:txBody>
-      </p:sp>
-      <p:sp>
-        <p:nvSpPr>
-          <p:cNvPr id="31" name="ZoneTexte 30">
-            <a:extLst>
-              <a:ext uri="{FF2B5EF4-FFF2-40B4-BE49-F238E27FC236}">
-                <a16:creationId xmlns:a16="http://schemas.microsoft.com/office/drawing/2014/main" id="{847CD47B-A8AF-EAAA-79D0-06E270B45958}"/>
-              </a:ext>
-            </a:extLst>
-          </p:cNvPr>
-          <p:cNvSpPr txBox="1"/>
-          <p:nvPr/>
-        </p:nvSpPr>
-        <p:spPr>
-          <a:xfrm>
-            <a:off x="9920691" y="2258229"/>
-            <a:ext cx="303288" cy="338554"/>
-          </a:xfrm>
-          <a:prstGeom prst="rect">
-            <a:avLst/>
-          </a:prstGeom>
-          <a:noFill/>
-        </p:spPr>
-        <p:txBody>
-          <a:bodyPr wrap="none" rtlCol="0">
-            <a:spAutoFit/>
-          </a:bodyPr>
-          <a:lstStyle/>
-          <a:p>
-            <a:r>
-              <a:rPr lang="fr-FR" sz="1600" dirty="0"/>
-              <a:t>P</a:t>
-            </a:r>
-          </a:p>
-        </p:txBody>
-      </p:sp>
-      <p:cxnSp>
-        <p:nvCxnSpPr>
-          <p:cNvPr id="32" name="Connecteur droit avec flèche 31">
-            <a:extLst>
-              <a:ext uri="{FF2B5EF4-FFF2-40B4-BE49-F238E27FC236}">
-                <a16:creationId xmlns:a16="http://schemas.microsoft.com/office/drawing/2014/main" id="{8C8C21D7-20B1-7460-DADB-7432AC3E9F31}"/>
-              </a:ext>
-            </a:extLst>
-          </p:cNvPr>
-          <p:cNvCxnSpPr>
-            <a:cxnSpLocks/>
-            <a:stCxn id="17" idx="5"/>
-          </p:cNvCxnSpPr>
-          <p:nvPr/>
-        </p:nvCxnSpPr>
-        <p:spPr>
-          <a:xfrm>
-            <a:off x="9189173" y="1474498"/>
-            <a:ext cx="648616" cy="722953"/>
-          </a:xfrm>
-          <a:prstGeom prst="straightConnector1">
-            <a:avLst/>
-          </a:prstGeom>
-          <a:ln w="50800">
-            <a:solidFill>
-              <a:schemeClr val="accent5">
-                <a:lumMod val="60000"/>
-                <a:lumOff val="40000"/>
-              </a:schemeClr>
-            </a:solidFill>
-            <a:prstDash val="sysDot"/>
-            <a:tailEnd type="triangle"/>
-          </a:ln>
-        </p:spPr>
-        <p:style>
-          <a:lnRef idx="2">
-            <a:schemeClr val="accent1"/>
-          </a:lnRef>
-          <a:fillRef idx="0">
-            <a:schemeClr val="accent1"/>
-          </a:fillRef>
-          <a:effectRef idx="1">
-            <a:schemeClr val="accent1"/>
-          </a:effectRef>
-          <a:fontRef idx="minor">
-            <a:schemeClr val="tx1"/>
-          </a:fontRef>
-        </p:style>
-      </p:cxnSp>
-      <p:sp>
-        <p:nvSpPr>
-          <p:cNvPr id="35" name="Rectangle 34">
-            <a:extLst>
-              <a:ext uri="{FF2B5EF4-FFF2-40B4-BE49-F238E27FC236}">
-                <a16:creationId xmlns:a16="http://schemas.microsoft.com/office/drawing/2014/main" id="{34148628-F7B0-4ADF-BDE6-166482BCA5EF}"/>
-              </a:ext>
-            </a:extLst>
-          </p:cNvPr>
-          <p:cNvSpPr/>
-          <p:nvPr/>
-        </p:nvSpPr>
-        <p:spPr>
-          <a:xfrm rot="19092671">
-            <a:off x="9514658" y="2063982"/>
-            <a:ext cx="248410" cy="266938"/>
-          </a:xfrm>
-          <a:prstGeom prst="rect">
-            <a:avLst/>
-          </a:prstGeom>
-        </p:spPr>
-        <p:style>
-          <a:lnRef idx="2">
-            <a:schemeClr val="accent1">
-              <a:shade val="15000"/>
-            </a:schemeClr>
-          </a:lnRef>
-          <a:fillRef idx="1">
-            <a:schemeClr val="accent1"/>
-          </a:fillRef>
-          <a:effectRef idx="0">
-            <a:schemeClr val="accent1"/>
-          </a:effectRef>
-          <a:fontRef idx="minor">
-            <a:schemeClr val="lt1"/>
-          </a:fontRef>
-        </p:style>
-        <p:txBody>
-          <a:bodyPr rtlCol="0" anchor="ctr"/>
-          <a:lstStyle/>
-          <a:p>
-            <a:pPr algn="ctr"/>
-            <a:endParaRPr lang="fr-FR"/>
-          </a:p>
-        </p:txBody>
-      </p:sp>
-      <p:sp>
-        <p:nvSpPr>
-          <p:cNvPr id="37" name="ZoneTexte 36">
-            <a:extLst>
-              <a:ext uri="{FF2B5EF4-FFF2-40B4-BE49-F238E27FC236}">
-                <a16:creationId xmlns:a16="http://schemas.microsoft.com/office/drawing/2014/main" id="{0DC14D3E-4723-E5AC-80A8-91C7A4E1C990}"/>
-              </a:ext>
-            </a:extLst>
-          </p:cNvPr>
-          <p:cNvSpPr txBox="1"/>
-          <p:nvPr/>
-        </p:nvSpPr>
-        <p:spPr>
-          <a:xfrm>
-            <a:off x="7191478" y="4498848"/>
-            <a:ext cx="298480" cy="338554"/>
-          </a:xfrm>
-          <a:prstGeom prst="rect">
-            <a:avLst/>
-          </a:prstGeom>
-          <a:noFill/>
-        </p:spPr>
-        <p:txBody>
-          <a:bodyPr wrap="none" rtlCol="0">
-            <a:spAutoFit/>
-          </a:bodyPr>
-          <a:lstStyle/>
-          <a:p>
-            <a:r>
-              <a:rPr lang="fr-FR" sz="1600" dirty="0"/>
-              <a:t>o</a:t>
-            </a:r>
-          </a:p>
-        </p:txBody>
-      </p:sp>
-      <p:sp>
-        <p:nvSpPr>
-          <p:cNvPr id="39" name="ZoneTexte 38">
-            <a:extLst>
-              <a:ext uri="{FF2B5EF4-FFF2-40B4-BE49-F238E27FC236}">
-                <a16:creationId xmlns:a16="http://schemas.microsoft.com/office/drawing/2014/main" id="{39B6010C-4336-C025-7E1C-64A1D02F70FC}"/>
-              </a:ext>
-            </a:extLst>
-          </p:cNvPr>
-          <p:cNvSpPr txBox="1"/>
-          <p:nvPr/>
-        </p:nvSpPr>
-        <p:spPr>
-          <a:xfrm>
-            <a:off x="7883914" y="2523193"/>
-            <a:ext cx="478016" cy="338554"/>
-          </a:xfrm>
-          <a:prstGeom prst="rect">
-            <a:avLst/>
-          </a:prstGeom>
-          <a:noFill/>
-        </p:spPr>
-        <p:txBody>
-          <a:bodyPr wrap="none" rtlCol="0">
-            <a:spAutoFit/>
-          </a:bodyPr>
-          <a:lstStyle/>
-          <a:p>
-            <a:r>
-              <a:rPr lang="fr-FR" sz="1600" dirty="0"/>
-              <a:t>OC</a:t>
-            </a:r>
-          </a:p>
-        </p:txBody>
-      </p:sp>
-      <p:sp>
-        <p:nvSpPr>
-          <p:cNvPr id="40" name="ZoneTexte 39">
-            <a:extLst>
-              <a:ext uri="{FF2B5EF4-FFF2-40B4-BE49-F238E27FC236}">
-                <a16:creationId xmlns:a16="http://schemas.microsoft.com/office/drawing/2014/main" id="{65A6A6C9-4B77-D685-F648-8DEAFBE7C2B7}"/>
-              </a:ext>
-            </a:extLst>
-          </p:cNvPr>
-          <p:cNvSpPr txBox="1"/>
-          <p:nvPr/>
-        </p:nvSpPr>
-        <p:spPr>
-          <a:xfrm>
-            <a:off x="8510250" y="3755794"/>
-            <a:ext cx="1468672" cy="338554"/>
-          </a:xfrm>
-          <a:prstGeom prst="rect">
-            <a:avLst/>
-          </a:prstGeom>
-          <a:noFill/>
-        </p:spPr>
-        <p:txBody>
-          <a:bodyPr wrap="none" rtlCol="0">
-            <a:spAutoFit/>
-          </a:bodyPr>
-          <a:lstStyle/>
-          <a:p>
-            <a:r>
-              <a:rPr lang="fr-FR" sz="1600" dirty="0"/>
-              <a:t>d (</a:t>
-            </a:r>
-            <a:r>
-              <a:rPr lang="fr-FR" sz="1600" dirty="0" err="1"/>
-              <a:t>normalised</a:t>
-            </a:r>
-            <a:r>
-              <a:rPr lang="fr-FR" sz="1600" dirty="0"/>
-              <a:t>)</a:t>
-            </a:r>
-          </a:p>
-        </p:txBody>
-      </p:sp>
-      <p:sp>
-        <p:nvSpPr>
-          <p:cNvPr id="41" name="ZoneTexte 40">
-            <a:extLst>
-              <a:ext uri="{FF2B5EF4-FFF2-40B4-BE49-F238E27FC236}">
-                <a16:creationId xmlns:a16="http://schemas.microsoft.com/office/drawing/2014/main" id="{3F62EB39-CBF1-7A63-CEB9-FA35F4F80CE9}"/>
-              </a:ext>
-            </a:extLst>
-          </p:cNvPr>
-          <p:cNvSpPr txBox="1"/>
-          <p:nvPr/>
-        </p:nvSpPr>
-        <p:spPr>
-          <a:xfrm>
-            <a:off x="9404336" y="2649495"/>
-            <a:ext cx="412292" cy="338554"/>
-          </a:xfrm>
-          <a:prstGeom prst="rect">
-            <a:avLst/>
-          </a:prstGeom>
-          <a:noFill/>
-        </p:spPr>
-        <p:txBody>
-          <a:bodyPr wrap="none" rtlCol="0">
-            <a:spAutoFit/>
-          </a:bodyPr>
-          <a:lstStyle/>
-          <a:p>
-            <a:r>
-              <a:rPr lang="fr-FR" sz="1600" dirty="0"/>
-              <a:t>P1</a:t>
-            </a:r>
-          </a:p>
-        </p:txBody>
-      </p:sp>
-      <p:cxnSp>
-        <p:nvCxnSpPr>
-          <p:cNvPr id="43" name="Connecteur droit avec flèche 42">
-            <a:extLst>
-              <a:ext uri="{FF2B5EF4-FFF2-40B4-BE49-F238E27FC236}">
-                <a16:creationId xmlns:a16="http://schemas.microsoft.com/office/drawing/2014/main" id="{33F4B0A9-4258-C11C-1CFB-B8AD540353A0}"/>
-              </a:ext>
-            </a:extLst>
-          </p:cNvPr>
-          <p:cNvCxnSpPr>
-            <a:cxnSpLocks/>
-          </p:cNvCxnSpPr>
-          <p:nvPr/>
-        </p:nvCxnSpPr>
-        <p:spPr>
-          <a:xfrm>
-            <a:off x="9189173" y="1499741"/>
-            <a:ext cx="262178" cy="1023452"/>
-          </a:xfrm>
-          <a:prstGeom prst="straightConnector1">
-            <a:avLst/>
-          </a:prstGeom>
-          <a:ln w="50800">
-            <a:solidFill>
-              <a:schemeClr val="accent5">
-                <a:lumMod val="60000"/>
-                <a:lumOff val="40000"/>
-              </a:schemeClr>
-            </a:solidFill>
-            <a:prstDash val="sysDot"/>
-            <a:tailEnd type="triangle"/>
-          </a:ln>
-        </p:spPr>
-        <p:style>
-          <a:lnRef idx="2">
-            <a:schemeClr val="accent1"/>
-          </a:lnRef>
-          <a:fillRef idx="0">
-            <a:schemeClr val="accent1"/>
-          </a:fillRef>
-          <a:effectRef idx="1">
-            <a:schemeClr val="accent1"/>
-          </a:effectRef>
-          <a:fontRef idx="minor">
-            <a:schemeClr val="tx1"/>
-          </a:fontRef>
-        </p:style>
-      </p:cxnSp>
-      <p:sp>
-        <p:nvSpPr>
-          <p:cNvPr id="49" name="ZoneTexte 48">
-            <a:extLst>
-              <a:ext uri="{FF2B5EF4-FFF2-40B4-BE49-F238E27FC236}">
-                <a16:creationId xmlns:a16="http://schemas.microsoft.com/office/drawing/2014/main" id="{48FAEC52-753C-A771-D87D-B2CC3F3806F8}"/>
-              </a:ext>
-            </a:extLst>
-          </p:cNvPr>
-          <p:cNvSpPr txBox="1"/>
-          <p:nvPr/>
-        </p:nvSpPr>
-        <p:spPr>
-          <a:xfrm>
-            <a:off x="9471041" y="1594132"/>
-            <a:ext cx="445956" cy="338554"/>
-          </a:xfrm>
-          <a:prstGeom prst="rect">
-            <a:avLst/>
-          </a:prstGeom>
-          <a:noFill/>
-        </p:spPr>
-        <p:txBody>
-          <a:bodyPr wrap="none" rtlCol="0">
-            <a:spAutoFit/>
-          </a:bodyPr>
-          <a:lstStyle/>
-          <a:p>
-            <a:r>
-              <a:rPr lang="fr-FR" sz="1600" dirty="0"/>
-              <a:t>CP</a:t>
-            </a:r>
-          </a:p>
-        </p:txBody>
-      </p:sp>
-      <p:sp>
-        <p:nvSpPr>
-          <p:cNvPr id="50" name="ZoneTexte 49">
-            <a:extLst>
-              <a:ext uri="{FF2B5EF4-FFF2-40B4-BE49-F238E27FC236}">
-                <a16:creationId xmlns:a16="http://schemas.microsoft.com/office/drawing/2014/main" id="{DBF25DC8-30CE-B141-16A2-705B37B231FE}"/>
-              </a:ext>
-            </a:extLst>
-          </p:cNvPr>
-          <p:cNvSpPr txBox="1"/>
-          <p:nvPr/>
-        </p:nvSpPr>
-        <p:spPr>
-          <a:xfrm>
-            <a:off x="8990990" y="1902366"/>
-            <a:ext cx="253596" cy="338554"/>
-          </a:xfrm>
-          <a:prstGeom prst="rect">
-            <a:avLst/>
-          </a:prstGeom>
-          <a:noFill/>
-        </p:spPr>
-        <p:txBody>
-          <a:bodyPr wrap="none" rtlCol="0">
-            <a:spAutoFit/>
-          </a:bodyPr>
-          <a:lstStyle/>
-          <a:p>
-            <a:r>
-              <a:rPr lang="fr-FR" sz="1600" dirty="0"/>
-              <a:t>r</a:t>
             </a:r>
           </a:p>
         </p:txBody>
@@ -5765,7 +4973,7 @@
     </p:spTree>
     <p:extLst>
       <p:ext uri="{BB962C8B-B14F-4D97-AF65-F5344CB8AC3E}">
-        <p14:creationId xmlns:p14="http://schemas.microsoft.com/office/powerpoint/2010/main" val="4111318906"/>
+        <p14:creationId xmlns:p14="http://schemas.microsoft.com/office/powerpoint/2010/main" val="1045525540"/>
       </p:ext>
     </p:extLst>
   </p:cSld>
@@ -5794,6 +5002,1635 @@
       </p:grpSpPr>
       <p:sp>
         <p:nvSpPr>
+          <p:cNvPr id="5" name="Rectangle : coins arrondis 4">
+            <a:extLst>
+              <a:ext uri="{FF2B5EF4-FFF2-40B4-BE49-F238E27FC236}">
+                <a16:creationId xmlns:a16="http://schemas.microsoft.com/office/drawing/2014/main" id="{D8BC55E4-DF82-223F-200A-6C55017A4042}"/>
+              </a:ext>
+            </a:extLst>
+          </p:cNvPr>
+          <p:cNvSpPr/>
+          <p:nvPr/>
+        </p:nvSpPr>
+        <p:spPr>
+          <a:xfrm>
+            <a:off x="6926691" y="0"/>
+            <a:ext cx="5173580" cy="5053264"/>
+          </a:xfrm>
+          <a:prstGeom prst="roundRect">
+            <a:avLst>
+              <a:gd name="adj" fmla="val 1579"/>
+            </a:avLst>
+          </a:prstGeom>
+          <a:solidFill>
+            <a:schemeClr val="bg1"/>
+          </a:solidFill>
+          <a:ln w="6350">
+            <a:solidFill>
+              <a:schemeClr val="bg1">
+                <a:lumMod val="85000"/>
+              </a:schemeClr>
+            </a:solidFill>
+          </a:ln>
+        </p:spPr>
+        <p:style>
+          <a:lnRef idx="2">
+            <a:schemeClr val="accent1">
+              <a:shade val="15000"/>
+            </a:schemeClr>
+          </a:lnRef>
+          <a:fillRef idx="1">
+            <a:schemeClr val="accent1"/>
+          </a:fillRef>
+          <a:effectRef idx="0">
+            <a:schemeClr val="accent1"/>
+          </a:effectRef>
+          <a:fontRef idx="minor">
+            <a:schemeClr val="lt1"/>
+          </a:fontRef>
+        </p:style>
+        <p:txBody>
+          <a:bodyPr rtlCol="0" anchor="ctr"/>
+          <a:lstStyle/>
+          <a:p>
+            <a:pPr algn="ctr"/>
+            <a:endParaRPr lang="fr-FR"/>
+          </a:p>
+        </p:txBody>
+      </p:sp>
+      <p:cxnSp>
+        <p:nvCxnSpPr>
+          <p:cNvPr id="14" name="Connecteur droit avec flèche 13">
+            <a:extLst>
+              <a:ext uri="{FF2B5EF4-FFF2-40B4-BE49-F238E27FC236}">
+                <a16:creationId xmlns:a16="http://schemas.microsoft.com/office/drawing/2014/main" id="{F41DC303-C049-BF16-DAD0-400C127BD1CE}"/>
+              </a:ext>
+            </a:extLst>
+          </p:cNvPr>
+          <p:cNvCxnSpPr>
+            <a:cxnSpLocks/>
+            <a:stCxn id="15" idx="7"/>
+          </p:cNvCxnSpPr>
+          <p:nvPr/>
+        </p:nvCxnSpPr>
+        <p:spPr>
+          <a:xfrm flipV="1">
+            <a:off x="7517390" y="2926080"/>
+            <a:ext cx="1574796" cy="1416670"/>
+          </a:xfrm>
+          <a:prstGeom prst="straightConnector1">
+            <a:avLst/>
+          </a:prstGeom>
+          <a:ln w="50800">
+            <a:solidFill>
+              <a:srgbClr val="FF0000"/>
+            </a:solidFill>
+            <a:tailEnd type="triangle"/>
+          </a:ln>
+        </p:spPr>
+        <p:style>
+          <a:lnRef idx="2">
+            <a:schemeClr val="accent1"/>
+          </a:lnRef>
+          <a:fillRef idx="0">
+            <a:schemeClr val="accent1"/>
+          </a:fillRef>
+          <a:effectRef idx="1">
+            <a:schemeClr val="accent1"/>
+          </a:effectRef>
+          <a:fontRef idx="minor">
+            <a:schemeClr val="tx1"/>
+          </a:fontRef>
+        </p:style>
+      </p:cxnSp>
+      <p:sp>
+        <p:nvSpPr>
+          <p:cNvPr id="15" name="Ellipse 14">
+            <a:extLst>
+              <a:ext uri="{FF2B5EF4-FFF2-40B4-BE49-F238E27FC236}">
+                <a16:creationId xmlns:a16="http://schemas.microsoft.com/office/drawing/2014/main" id="{EC3540F5-7914-9918-9E07-27767D68DA50}"/>
+              </a:ext>
+            </a:extLst>
+          </p:cNvPr>
+          <p:cNvSpPr/>
+          <p:nvPr/>
+        </p:nvSpPr>
+        <p:spPr>
+          <a:xfrm>
+            <a:off x="7345682" y="4315968"/>
+            <a:ext cx="201168" cy="182880"/>
+          </a:xfrm>
+          <a:prstGeom prst="ellipse">
+            <a:avLst/>
+          </a:prstGeom>
+        </p:spPr>
+        <p:style>
+          <a:lnRef idx="2">
+            <a:schemeClr val="accent1">
+              <a:shade val="15000"/>
+            </a:schemeClr>
+          </a:lnRef>
+          <a:fillRef idx="1">
+            <a:schemeClr val="accent1"/>
+          </a:fillRef>
+          <a:effectRef idx="0">
+            <a:schemeClr val="accent1"/>
+          </a:effectRef>
+          <a:fontRef idx="minor">
+            <a:schemeClr val="lt1"/>
+          </a:fontRef>
+        </p:style>
+        <p:txBody>
+          <a:bodyPr rtlCol="0" anchor="ctr"/>
+          <a:lstStyle/>
+          <a:p>
+            <a:pPr algn="ctr"/>
+            <a:endParaRPr lang="fr-FR"/>
+          </a:p>
+        </p:txBody>
+      </p:sp>
+      <p:sp>
+        <p:nvSpPr>
+          <p:cNvPr id="16" name="Ellipse 15">
+            <a:extLst>
+              <a:ext uri="{FF2B5EF4-FFF2-40B4-BE49-F238E27FC236}">
+                <a16:creationId xmlns:a16="http://schemas.microsoft.com/office/drawing/2014/main" id="{1CFB3661-7C60-B2E8-6C54-4F1FF010BB23}"/>
+              </a:ext>
+            </a:extLst>
+          </p:cNvPr>
+          <p:cNvSpPr/>
+          <p:nvPr/>
+        </p:nvSpPr>
+        <p:spPr>
+          <a:xfrm>
+            <a:off x="7807454" y="155448"/>
+            <a:ext cx="2569464" cy="2450592"/>
+          </a:xfrm>
+          <a:prstGeom prst="ellipse">
+            <a:avLst/>
+          </a:prstGeom>
+        </p:spPr>
+        <p:style>
+          <a:lnRef idx="2">
+            <a:schemeClr val="accent1">
+              <a:shade val="15000"/>
+            </a:schemeClr>
+          </a:lnRef>
+          <a:fillRef idx="1">
+            <a:schemeClr val="accent1"/>
+          </a:fillRef>
+          <a:effectRef idx="0">
+            <a:schemeClr val="accent1"/>
+          </a:effectRef>
+          <a:fontRef idx="minor">
+            <a:schemeClr val="lt1"/>
+          </a:fontRef>
+        </p:style>
+        <p:txBody>
+          <a:bodyPr rtlCol="0" anchor="ctr"/>
+          <a:lstStyle/>
+          <a:p>
+            <a:pPr algn="ctr"/>
+            <a:endParaRPr lang="fr-FR"/>
+          </a:p>
+        </p:txBody>
+      </p:sp>
+      <p:sp>
+        <p:nvSpPr>
+          <p:cNvPr id="17" name="Ellipse 16">
+            <a:extLst>
+              <a:ext uri="{FF2B5EF4-FFF2-40B4-BE49-F238E27FC236}">
+                <a16:creationId xmlns:a16="http://schemas.microsoft.com/office/drawing/2014/main" id="{6E94A7E6-4421-51F8-6D1A-4C33DE5143CC}"/>
+              </a:ext>
+            </a:extLst>
+          </p:cNvPr>
+          <p:cNvSpPr/>
+          <p:nvPr/>
+        </p:nvSpPr>
+        <p:spPr>
+          <a:xfrm>
+            <a:off x="8955026" y="1248156"/>
+            <a:ext cx="274320" cy="265176"/>
+          </a:xfrm>
+          <a:prstGeom prst="ellipse">
+            <a:avLst/>
+          </a:prstGeom>
+          <a:solidFill>
+            <a:schemeClr val="tx1"/>
+          </a:solidFill>
+        </p:spPr>
+        <p:style>
+          <a:lnRef idx="2">
+            <a:schemeClr val="accent1">
+              <a:shade val="15000"/>
+            </a:schemeClr>
+          </a:lnRef>
+          <a:fillRef idx="1">
+            <a:schemeClr val="accent1"/>
+          </a:fillRef>
+          <a:effectRef idx="0">
+            <a:schemeClr val="accent1"/>
+          </a:effectRef>
+          <a:fontRef idx="minor">
+            <a:schemeClr val="lt1"/>
+          </a:fontRef>
+        </p:style>
+        <p:txBody>
+          <a:bodyPr rtlCol="0" anchor="ctr"/>
+          <a:lstStyle/>
+          <a:p>
+            <a:pPr algn="ctr"/>
+            <a:endParaRPr lang="fr-FR"/>
+          </a:p>
+        </p:txBody>
+      </p:sp>
+      <p:sp>
+        <p:nvSpPr>
+          <p:cNvPr id="18" name="ZoneTexte 17">
+            <a:extLst>
+              <a:ext uri="{FF2B5EF4-FFF2-40B4-BE49-F238E27FC236}">
+                <a16:creationId xmlns:a16="http://schemas.microsoft.com/office/drawing/2014/main" id="{9FA022DB-3215-D10F-DBB8-1AC890A2EC9E}"/>
+              </a:ext>
+            </a:extLst>
+          </p:cNvPr>
+          <p:cNvSpPr txBox="1"/>
+          <p:nvPr/>
+        </p:nvSpPr>
+        <p:spPr>
+          <a:xfrm>
+            <a:off x="8334506" y="617215"/>
+            <a:ext cx="253596" cy="338554"/>
+          </a:xfrm>
+          <a:prstGeom prst="rect">
+            <a:avLst/>
+          </a:prstGeom>
+          <a:noFill/>
+        </p:spPr>
+        <p:txBody>
+          <a:bodyPr wrap="none" rtlCol="0">
+            <a:spAutoFit/>
+          </a:bodyPr>
+          <a:lstStyle/>
+          <a:p>
+            <a:r>
+              <a:rPr lang="fr-FR" sz="1600" dirty="0"/>
+              <a:t>r</a:t>
+            </a:r>
+          </a:p>
+        </p:txBody>
+      </p:sp>
+      <p:cxnSp>
+        <p:nvCxnSpPr>
+          <p:cNvPr id="19" name="Connecteur droit avec flèche 18">
+            <a:extLst>
+              <a:ext uri="{FF2B5EF4-FFF2-40B4-BE49-F238E27FC236}">
+                <a16:creationId xmlns:a16="http://schemas.microsoft.com/office/drawing/2014/main" id="{E7D7CA06-5BC8-9FB6-9DBA-37F5CEE1E4AF}"/>
+              </a:ext>
+            </a:extLst>
+          </p:cNvPr>
+          <p:cNvCxnSpPr>
+            <a:cxnSpLocks/>
+          </p:cNvCxnSpPr>
+          <p:nvPr/>
+        </p:nvCxnSpPr>
+        <p:spPr>
+          <a:xfrm flipH="1" flipV="1">
+            <a:off x="8122922" y="663381"/>
+            <a:ext cx="969264" cy="717363"/>
+          </a:xfrm>
+          <a:prstGeom prst="straightConnector1">
+            <a:avLst/>
+          </a:prstGeom>
+          <a:ln w="50800">
+            <a:solidFill>
+              <a:schemeClr val="accent4">
+                <a:lumMod val="40000"/>
+                <a:lumOff val="60000"/>
+              </a:schemeClr>
+            </a:solidFill>
+            <a:tailEnd type="triangle"/>
+          </a:ln>
+        </p:spPr>
+        <p:style>
+          <a:lnRef idx="2">
+            <a:schemeClr val="accent1"/>
+          </a:lnRef>
+          <a:fillRef idx="0">
+            <a:schemeClr val="accent1"/>
+          </a:fillRef>
+          <a:effectRef idx="1">
+            <a:schemeClr val="accent1"/>
+          </a:effectRef>
+          <a:fontRef idx="minor">
+            <a:schemeClr val="tx1"/>
+          </a:fontRef>
+        </p:style>
+      </p:cxnSp>
+      <p:sp>
+        <p:nvSpPr>
+          <p:cNvPr id="20" name="ZoneTexte 19">
+            <a:extLst>
+              <a:ext uri="{FF2B5EF4-FFF2-40B4-BE49-F238E27FC236}">
+                <a16:creationId xmlns:a16="http://schemas.microsoft.com/office/drawing/2014/main" id="{65F6BF6C-E72C-3D94-DE73-E9ADDC93C25F}"/>
+              </a:ext>
+            </a:extLst>
+          </p:cNvPr>
+          <p:cNvSpPr txBox="1"/>
+          <p:nvPr/>
+        </p:nvSpPr>
+        <p:spPr>
+          <a:xfrm>
+            <a:off x="9244586" y="1161187"/>
+            <a:ext cx="684290" cy="338554"/>
+          </a:xfrm>
+          <a:prstGeom prst="rect">
+            <a:avLst/>
+          </a:prstGeom>
+          <a:noFill/>
+        </p:spPr>
+        <p:txBody>
+          <a:bodyPr wrap="none" rtlCol="0">
+            <a:spAutoFit/>
+          </a:bodyPr>
+          <a:lstStyle/>
+          <a:p>
+            <a:r>
+              <a:rPr lang="fr-FR" sz="1600" dirty="0"/>
+              <a:t>c (</a:t>
+            </a:r>
+            <a:r>
+              <a:rPr lang="fr-FR" sz="1600" dirty="0" err="1"/>
+              <a:t>x,y</a:t>
+            </a:r>
+            <a:r>
+              <a:rPr lang="fr-FR" sz="1600" dirty="0"/>
+              <a:t>)</a:t>
+            </a:r>
+          </a:p>
+        </p:txBody>
+      </p:sp>
+      <p:cxnSp>
+        <p:nvCxnSpPr>
+          <p:cNvPr id="21" name="Connecteur droit avec flèche 20">
+            <a:extLst>
+              <a:ext uri="{FF2B5EF4-FFF2-40B4-BE49-F238E27FC236}">
+                <a16:creationId xmlns:a16="http://schemas.microsoft.com/office/drawing/2014/main" id="{27340F13-F5AE-D2E9-CAD3-E7F77B1A2AB1}"/>
+              </a:ext>
+            </a:extLst>
+          </p:cNvPr>
+          <p:cNvCxnSpPr>
+            <a:cxnSpLocks/>
+          </p:cNvCxnSpPr>
+          <p:nvPr/>
+        </p:nvCxnSpPr>
+        <p:spPr>
+          <a:xfrm flipV="1">
+            <a:off x="7517390" y="379801"/>
+            <a:ext cx="4369810" cy="3962949"/>
+          </a:xfrm>
+          <a:prstGeom prst="straightConnector1">
+            <a:avLst/>
+          </a:prstGeom>
+          <a:ln w="50800">
+            <a:solidFill>
+              <a:srgbClr val="FF0000"/>
+            </a:solidFill>
+            <a:prstDash val="sysDot"/>
+            <a:tailEnd type="triangle"/>
+          </a:ln>
+        </p:spPr>
+        <p:style>
+          <a:lnRef idx="2">
+            <a:schemeClr val="accent1"/>
+          </a:lnRef>
+          <a:fillRef idx="0">
+            <a:schemeClr val="accent1"/>
+          </a:fillRef>
+          <a:effectRef idx="1">
+            <a:schemeClr val="accent1"/>
+          </a:effectRef>
+          <a:fontRef idx="minor">
+            <a:schemeClr val="tx1"/>
+          </a:fontRef>
+        </p:style>
+      </p:cxnSp>
+      <p:cxnSp>
+        <p:nvCxnSpPr>
+          <p:cNvPr id="25" name="Connecteur droit avec flèche 24">
+            <a:extLst>
+              <a:ext uri="{FF2B5EF4-FFF2-40B4-BE49-F238E27FC236}">
+                <a16:creationId xmlns:a16="http://schemas.microsoft.com/office/drawing/2014/main" id="{61302DB6-FCC2-1F22-0846-3AC44426B7AA}"/>
+              </a:ext>
+            </a:extLst>
+          </p:cNvPr>
+          <p:cNvCxnSpPr>
+            <a:cxnSpLocks/>
+            <a:stCxn id="15" idx="7"/>
+          </p:cNvCxnSpPr>
+          <p:nvPr/>
+        </p:nvCxnSpPr>
+        <p:spPr>
+          <a:xfrm flipV="1">
+            <a:off x="7517390" y="1380744"/>
+            <a:ext cx="1574796" cy="2962006"/>
+          </a:xfrm>
+          <a:prstGeom prst="straightConnector1">
+            <a:avLst/>
+          </a:prstGeom>
+          <a:ln w="50800">
+            <a:solidFill>
+              <a:schemeClr val="accent5">
+                <a:lumMod val="60000"/>
+                <a:lumOff val="40000"/>
+              </a:schemeClr>
+            </a:solidFill>
+            <a:tailEnd type="triangle"/>
+          </a:ln>
+        </p:spPr>
+        <p:style>
+          <a:lnRef idx="2">
+            <a:schemeClr val="accent1"/>
+          </a:lnRef>
+          <a:fillRef idx="0">
+            <a:schemeClr val="accent1"/>
+          </a:fillRef>
+          <a:effectRef idx="1">
+            <a:schemeClr val="accent1"/>
+          </a:effectRef>
+          <a:fontRef idx="minor">
+            <a:schemeClr val="tx1"/>
+          </a:fontRef>
+        </p:style>
+      </p:cxnSp>
+      <p:sp>
+        <p:nvSpPr>
+          <p:cNvPr id="31" name="ZoneTexte 30">
+            <a:extLst>
+              <a:ext uri="{FF2B5EF4-FFF2-40B4-BE49-F238E27FC236}">
+                <a16:creationId xmlns:a16="http://schemas.microsoft.com/office/drawing/2014/main" id="{847CD47B-A8AF-EAAA-79D0-06E270B45958}"/>
+              </a:ext>
+            </a:extLst>
+          </p:cNvPr>
+          <p:cNvSpPr txBox="1"/>
+          <p:nvPr/>
+        </p:nvSpPr>
+        <p:spPr>
+          <a:xfrm>
+            <a:off x="9920691" y="2258229"/>
+            <a:ext cx="303288" cy="338554"/>
+          </a:xfrm>
+          <a:prstGeom prst="rect">
+            <a:avLst/>
+          </a:prstGeom>
+          <a:noFill/>
+        </p:spPr>
+        <p:txBody>
+          <a:bodyPr wrap="none" rtlCol="0">
+            <a:spAutoFit/>
+          </a:bodyPr>
+          <a:lstStyle/>
+          <a:p>
+            <a:r>
+              <a:rPr lang="fr-FR" sz="1600" dirty="0"/>
+              <a:t>P</a:t>
+            </a:r>
+          </a:p>
+        </p:txBody>
+      </p:sp>
+      <p:cxnSp>
+        <p:nvCxnSpPr>
+          <p:cNvPr id="32" name="Connecteur droit avec flèche 31">
+            <a:extLst>
+              <a:ext uri="{FF2B5EF4-FFF2-40B4-BE49-F238E27FC236}">
+                <a16:creationId xmlns:a16="http://schemas.microsoft.com/office/drawing/2014/main" id="{8C8C21D7-20B1-7460-DADB-7432AC3E9F31}"/>
+              </a:ext>
+            </a:extLst>
+          </p:cNvPr>
+          <p:cNvCxnSpPr>
+            <a:cxnSpLocks/>
+            <a:stCxn id="17" idx="5"/>
+          </p:cNvCxnSpPr>
+          <p:nvPr/>
+        </p:nvCxnSpPr>
+        <p:spPr>
+          <a:xfrm>
+            <a:off x="9189173" y="1474498"/>
+            <a:ext cx="648616" cy="722953"/>
+          </a:xfrm>
+          <a:prstGeom prst="straightConnector1">
+            <a:avLst/>
+          </a:prstGeom>
+          <a:ln w="50800">
+            <a:solidFill>
+              <a:schemeClr val="accent5">
+                <a:lumMod val="60000"/>
+                <a:lumOff val="40000"/>
+              </a:schemeClr>
+            </a:solidFill>
+            <a:prstDash val="sysDot"/>
+            <a:tailEnd type="triangle"/>
+          </a:ln>
+        </p:spPr>
+        <p:style>
+          <a:lnRef idx="2">
+            <a:schemeClr val="accent1"/>
+          </a:lnRef>
+          <a:fillRef idx="0">
+            <a:schemeClr val="accent1"/>
+          </a:fillRef>
+          <a:effectRef idx="1">
+            <a:schemeClr val="accent1"/>
+          </a:effectRef>
+          <a:fontRef idx="minor">
+            <a:schemeClr val="tx1"/>
+          </a:fontRef>
+        </p:style>
+      </p:cxnSp>
+      <p:sp>
+        <p:nvSpPr>
+          <p:cNvPr id="35" name="Rectangle 34">
+            <a:extLst>
+              <a:ext uri="{FF2B5EF4-FFF2-40B4-BE49-F238E27FC236}">
+                <a16:creationId xmlns:a16="http://schemas.microsoft.com/office/drawing/2014/main" id="{34148628-F7B0-4ADF-BDE6-166482BCA5EF}"/>
+              </a:ext>
+            </a:extLst>
+          </p:cNvPr>
+          <p:cNvSpPr/>
+          <p:nvPr/>
+        </p:nvSpPr>
+        <p:spPr>
+          <a:xfrm rot="19092671">
+            <a:off x="9514658" y="2063982"/>
+            <a:ext cx="248410" cy="266938"/>
+          </a:xfrm>
+          <a:prstGeom prst="rect">
+            <a:avLst/>
+          </a:prstGeom>
+        </p:spPr>
+        <p:style>
+          <a:lnRef idx="2">
+            <a:schemeClr val="accent1">
+              <a:shade val="15000"/>
+            </a:schemeClr>
+          </a:lnRef>
+          <a:fillRef idx="1">
+            <a:schemeClr val="accent1"/>
+          </a:fillRef>
+          <a:effectRef idx="0">
+            <a:schemeClr val="accent1"/>
+          </a:effectRef>
+          <a:fontRef idx="minor">
+            <a:schemeClr val="lt1"/>
+          </a:fontRef>
+        </p:style>
+        <p:txBody>
+          <a:bodyPr rtlCol="0" anchor="ctr"/>
+          <a:lstStyle/>
+          <a:p>
+            <a:pPr algn="ctr"/>
+            <a:endParaRPr lang="fr-FR"/>
+          </a:p>
+        </p:txBody>
+      </p:sp>
+      <p:sp>
+        <p:nvSpPr>
+          <p:cNvPr id="37" name="ZoneTexte 36">
+            <a:extLst>
+              <a:ext uri="{FF2B5EF4-FFF2-40B4-BE49-F238E27FC236}">
+                <a16:creationId xmlns:a16="http://schemas.microsoft.com/office/drawing/2014/main" id="{0DC14D3E-4723-E5AC-80A8-91C7A4E1C990}"/>
+              </a:ext>
+            </a:extLst>
+          </p:cNvPr>
+          <p:cNvSpPr txBox="1"/>
+          <p:nvPr/>
+        </p:nvSpPr>
+        <p:spPr>
+          <a:xfrm>
+            <a:off x="7191478" y="4498848"/>
+            <a:ext cx="298480" cy="338554"/>
+          </a:xfrm>
+          <a:prstGeom prst="rect">
+            <a:avLst/>
+          </a:prstGeom>
+          <a:noFill/>
+        </p:spPr>
+        <p:txBody>
+          <a:bodyPr wrap="none" rtlCol="0">
+            <a:spAutoFit/>
+          </a:bodyPr>
+          <a:lstStyle/>
+          <a:p>
+            <a:r>
+              <a:rPr lang="fr-FR" sz="1600" dirty="0"/>
+              <a:t>o</a:t>
+            </a:r>
+          </a:p>
+        </p:txBody>
+      </p:sp>
+      <p:sp>
+        <p:nvSpPr>
+          <p:cNvPr id="39" name="ZoneTexte 38">
+            <a:extLst>
+              <a:ext uri="{FF2B5EF4-FFF2-40B4-BE49-F238E27FC236}">
+                <a16:creationId xmlns:a16="http://schemas.microsoft.com/office/drawing/2014/main" id="{39B6010C-4336-C025-7E1C-64A1D02F70FC}"/>
+              </a:ext>
+            </a:extLst>
+          </p:cNvPr>
+          <p:cNvSpPr txBox="1"/>
+          <p:nvPr/>
+        </p:nvSpPr>
+        <p:spPr>
+          <a:xfrm>
+            <a:off x="7883914" y="2523193"/>
+            <a:ext cx="478016" cy="338554"/>
+          </a:xfrm>
+          <a:prstGeom prst="rect">
+            <a:avLst/>
+          </a:prstGeom>
+          <a:noFill/>
+        </p:spPr>
+        <p:txBody>
+          <a:bodyPr wrap="none" rtlCol="0">
+            <a:spAutoFit/>
+          </a:bodyPr>
+          <a:lstStyle/>
+          <a:p>
+            <a:r>
+              <a:rPr lang="fr-FR" sz="1600" dirty="0"/>
+              <a:t>OC</a:t>
+            </a:r>
+          </a:p>
+        </p:txBody>
+      </p:sp>
+      <p:sp>
+        <p:nvSpPr>
+          <p:cNvPr id="40" name="ZoneTexte 39">
+            <a:extLst>
+              <a:ext uri="{FF2B5EF4-FFF2-40B4-BE49-F238E27FC236}">
+                <a16:creationId xmlns:a16="http://schemas.microsoft.com/office/drawing/2014/main" id="{65A6A6C9-4B77-D685-F648-8DEAFBE7C2B7}"/>
+              </a:ext>
+            </a:extLst>
+          </p:cNvPr>
+          <p:cNvSpPr txBox="1"/>
+          <p:nvPr/>
+        </p:nvSpPr>
+        <p:spPr>
+          <a:xfrm>
+            <a:off x="8510250" y="3755794"/>
+            <a:ext cx="1468672" cy="338554"/>
+          </a:xfrm>
+          <a:prstGeom prst="rect">
+            <a:avLst/>
+          </a:prstGeom>
+          <a:noFill/>
+        </p:spPr>
+        <p:txBody>
+          <a:bodyPr wrap="none" rtlCol="0">
+            <a:spAutoFit/>
+          </a:bodyPr>
+          <a:lstStyle/>
+          <a:p>
+            <a:r>
+              <a:rPr lang="fr-FR" sz="1600" dirty="0"/>
+              <a:t>d (</a:t>
+            </a:r>
+            <a:r>
+              <a:rPr lang="fr-FR" sz="1600" dirty="0" err="1"/>
+              <a:t>normalised</a:t>
+            </a:r>
+            <a:r>
+              <a:rPr lang="fr-FR" sz="1600" dirty="0"/>
+              <a:t>)</a:t>
+            </a:r>
+          </a:p>
+        </p:txBody>
+      </p:sp>
+    </p:spTree>
+    <p:extLst>
+      <p:ext uri="{BB962C8B-B14F-4D97-AF65-F5344CB8AC3E}">
+        <p14:creationId xmlns:p14="http://schemas.microsoft.com/office/powerpoint/2010/main" val="4111318906"/>
+      </p:ext>
+    </p:extLst>
+  </p:cSld>
+  <p:clrMapOvr>
+    <a:masterClrMapping/>
+  </p:clrMapOvr>
+</p:sld>
+</file>
+
+<file path=ppt/slides/slide13.xml><?xml version="1.0" encoding="utf-8"?>
+<p:sld xmlns:a="http://schemas.openxmlformats.org/drawingml/2006/main" xmlns:r="http://schemas.openxmlformats.org/officeDocument/2006/relationships" xmlns:p="http://schemas.openxmlformats.org/presentationml/2006/main">
+  <p:cSld>
+    <p:spTree>
+      <p:nvGrpSpPr>
+        <p:cNvPr id="1" name="">
+          <a:extLst>
+            <a:ext uri="{FF2B5EF4-FFF2-40B4-BE49-F238E27FC236}">
+              <a16:creationId xmlns:a16="http://schemas.microsoft.com/office/drawing/2014/main" id="{1A17D9C0-E3C4-26F5-08E6-BD6914032746}"/>
+            </a:ext>
+          </a:extLst>
+        </p:cNvPr>
+        <p:cNvGrpSpPr/>
+        <p:nvPr/>
+      </p:nvGrpSpPr>
+      <p:grpSpPr>
+        <a:xfrm>
+          <a:off x="0" y="0"/>
+          <a:ext cx="0" cy="0"/>
+          <a:chOff x="0" y="0"/>
+          <a:chExt cx="0" cy="0"/>
+        </a:xfrm>
+      </p:grpSpPr>
+      <p:sp>
+        <p:nvSpPr>
+          <p:cNvPr id="5" name="Rectangle : coins arrondis 4">
+            <a:extLst>
+              <a:ext uri="{FF2B5EF4-FFF2-40B4-BE49-F238E27FC236}">
+                <a16:creationId xmlns:a16="http://schemas.microsoft.com/office/drawing/2014/main" id="{7F90F1FF-0B5D-B686-F8AE-93B4A3F7D75B}"/>
+              </a:ext>
+            </a:extLst>
+          </p:cNvPr>
+          <p:cNvSpPr/>
+          <p:nvPr/>
+        </p:nvSpPr>
+        <p:spPr>
+          <a:xfrm>
+            <a:off x="6926691" y="0"/>
+            <a:ext cx="5173580" cy="5053264"/>
+          </a:xfrm>
+          <a:prstGeom prst="roundRect">
+            <a:avLst>
+              <a:gd name="adj" fmla="val 1579"/>
+            </a:avLst>
+          </a:prstGeom>
+          <a:solidFill>
+            <a:schemeClr val="bg1"/>
+          </a:solidFill>
+          <a:ln w="6350">
+            <a:solidFill>
+              <a:schemeClr val="bg1">
+                <a:lumMod val="85000"/>
+              </a:schemeClr>
+            </a:solidFill>
+          </a:ln>
+        </p:spPr>
+        <p:style>
+          <a:lnRef idx="2">
+            <a:schemeClr val="accent1">
+              <a:shade val="15000"/>
+            </a:schemeClr>
+          </a:lnRef>
+          <a:fillRef idx="1">
+            <a:schemeClr val="accent1"/>
+          </a:fillRef>
+          <a:effectRef idx="0">
+            <a:schemeClr val="accent1"/>
+          </a:effectRef>
+          <a:fontRef idx="minor">
+            <a:schemeClr val="lt1"/>
+          </a:fontRef>
+        </p:style>
+        <p:txBody>
+          <a:bodyPr rtlCol="0" anchor="ctr"/>
+          <a:lstStyle/>
+          <a:p>
+            <a:pPr algn="ctr"/>
+            <a:endParaRPr lang="fr-FR"/>
+          </a:p>
+        </p:txBody>
+      </p:sp>
+      <p:cxnSp>
+        <p:nvCxnSpPr>
+          <p:cNvPr id="14" name="Connecteur droit avec flèche 13">
+            <a:extLst>
+              <a:ext uri="{FF2B5EF4-FFF2-40B4-BE49-F238E27FC236}">
+                <a16:creationId xmlns:a16="http://schemas.microsoft.com/office/drawing/2014/main" id="{69DA232A-5E48-F261-A6AA-09DE615F9CB3}"/>
+              </a:ext>
+            </a:extLst>
+          </p:cNvPr>
+          <p:cNvCxnSpPr>
+            <a:cxnSpLocks/>
+            <a:stCxn id="15" idx="7"/>
+          </p:cNvCxnSpPr>
+          <p:nvPr/>
+        </p:nvCxnSpPr>
+        <p:spPr>
+          <a:xfrm flipV="1">
+            <a:off x="7517390" y="2926080"/>
+            <a:ext cx="1574796" cy="1416670"/>
+          </a:xfrm>
+          <a:prstGeom prst="straightConnector1">
+            <a:avLst/>
+          </a:prstGeom>
+          <a:ln w="50800">
+            <a:solidFill>
+              <a:srgbClr val="FF0000"/>
+            </a:solidFill>
+            <a:tailEnd type="triangle"/>
+          </a:ln>
+        </p:spPr>
+        <p:style>
+          <a:lnRef idx="2">
+            <a:schemeClr val="accent1"/>
+          </a:lnRef>
+          <a:fillRef idx="0">
+            <a:schemeClr val="accent1"/>
+          </a:fillRef>
+          <a:effectRef idx="1">
+            <a:schemeClr val="accent1"/>
+          </a:effectRef>
+          <a:fontRef idx="minor">
+            <a:schemeClr val="tx1"/>
+          </a:fontRef>
+        </p:style>
+      </p:cxnSp>
+      <p:sp>
+        <p:nvSpPr>
+          <p:cNvPr id="15" name="Ellipse 14">
+            <a:extLst>
+              <a:ext uri="{FF2B5EF4-FFF2-40B4-BE49-F238E27FC236}">
+                <a16:creationId xmlns:a16="http://schemas.microsoft.com/office/drawing/2014/main" id="{EA454A1A-F7DF-1EF0-DB75-956F68276E25}"/>
+              </a:ext>
+            </a:extLst>
+          </p:cNvPr>
+          <p:cNvSpPr/>
+          <p:nvPr/>
+        </p:nvSpPr>
+        <p:spPr>
+          <a:xfrm>
+            <a:off x="7345682" y="4315968"/>
+            <a:ext cx="201168" cy="182880"/>
+          </a:xfrm>
+          <a:prstGeom prst="ellipse">
+            <a:avLst/>
+          </a:prstGeom>
+        </p:spPr>
+        <p:style>
+          <a:lnRef idx="2">
+            <a:schemeClr val="accent1">
+              <a:shade val="15000"/>
+            </a:schemeClr>
+          </a:lnRef>
+          <a:fillRef idx="1">
+            <a:schemeClr val="accent1"/>
+          </a:fillRef>
+          <a:effectRef idx="0">
+            <a:schemeClr val="accent1"/>
+          </a:effectRef>
+          <a:fontRef idx="minor">
+            <a:schemeClr val="lt1"/>
+          </a:fontRef>
+        </p:style>
+        <p:txBody>
+          <a:bodyPr rtlCol="0" anchor="ctr"/>
+          <a:lstStyle/>
+          <a:p>
+            <a:pPr algn="ctr"/>
+            <a:endParaRPr lang="fr-FR"/>
+          </a:p>
+        </p:txBody>
+      </p:sp>
+      <p:sp>
+        <p:nvSpPr>
+          <p:cNvPr id="16" name="Ellipse 15">
+            <a:extLst>
+              <a:ext uri="{FF2B5EF4-FFF2-40B4-BE49-F238E27FC236}">
+                <a16:creationId xmlns:a16="http://schemas.microsoft.com/office/drawing/2014/main" id="{93FA8874-E0C8-630E-EAA2-F84D168913C1}"/>
+              </a:ext>
+            </a:extLst>
+          </p:cNvPr>
+          <p:cNvSpPr/>
+          <p:nvPr/>
+        </p:nvSpPr>
+        <p:spPr>
+          <a:xfrm>
+            <a:off x="7807454" y="155448"/>
+            <a:ext cx="2569464" cy="2450592"/>
+          </a:xfrm>
+          <a:prstGeom prst="ellipse">
+            <a:avLst/>
+          </a:prstGeom>
+        </p:spPr>
+        <p:style>
+          <a:lnRef idx="2">
+            <a:schemeClr val="accent1">
+              <a:shade val="15000"/>
+            </a:schemeClr>
+          </a:lnRef>
+          <a:fillRef idx="1">
+            <a:schemeClr val="accent1"/>
+          </a:fillRef>
+          <a:effectRef idx="0">
+            <a:schemeClr val="accent1"/>
+          </a:effectRef>
+          <a:fontRef idx="minor">
+            <a:schemeClr val="lt1"/>
+          </a:fontRef>
+        </p:style>
+        <p:txBody>
+          <a:bodyPr rtlCol="0" anchor="ctr"/>
+          <a:lstStyle/>
+          <a:p>
+            <a:pPr algn="ctr"/>
+            <a:endParaRPr lang="fr-FR"/>
+          </a:p>
+        </p:txBody>
+      </p:sp>
+      <p:sp>
+        <p:nvSpPr>
+          <p:cNvPr id="17" name="Ellipse 16">
+            <a:extLst>
+              <a:ext uri="{FF2B5EF4-FFF2-40B4-BE49-F238E27FC236}">
+                <a16:creationId xmlns:a16="http://schemas.microsoft.com/office/drawing/2014/main" id="{032422CE-497E-8151-8E58-189D72C1E213}"/>
+              </a:ext>
+            </a:extLst>
+          </p:cNvPr>
+          <p:cNvSpPr/>
+          <p:nvPr/>
+        </p:nvSpPr>
+        <p:spPr>
+          <a:xfrm>
+            <a:off x="8955026" y="1248156"/>
+            <a:ext cx="274320" cy="265176"/>
+          </a:xfrm>
+          <a:prstGeom prst="ellipse">
+            <a:avLst/>
+          </a:prstGeom>
+          <a:solidFill>
+            <a:schemeClr val="tx1"/>
+          </a:solidFill>
+        </p:spPr>
+        <p:style>
+          <a:lnRef idx="2">
+            <a:schemeClr val="accent1">
+              <a:shade val="15000"/>
+            </a:schemeClr>
+          </a:lnRef>
+          <a:fillRef idx="1">
+            <a:schemeClr val="accent1"/>
+          </a:fillRef>
+          <a:effectRef idx="0">
+            <a:schemeClr val="accent1"/>
+          </a:effectRef>
+          <a:fontRef idx="minor">
+            <a:schemeClr val="lt1"/>
+          </a:fontRef>
+        </p:style>
+        <p:txBody>
+          <a:bodyPr rtlCol="0" anchor="ctr"/>
+          <a:lstStyle/>
+          <a:p>
+            <a:pPr algn="ctr"/>
+            <a:endParaRPr lang="fr-FR"/>
+          </a:p>
+        </p:txBody>
+      </p:sp>
+      <p:sp>
+        <p:nvSpPr>
+          <p:cNvPr id="18" name="ZoneTexte 17">
+            <a:extLst>
+              <a:ext uri="{FF2B5EF4-FFF2-40B4-BE49-F238E27FC236}">
+                <a16:creationId xmlns:a16="http://schemas.microsoft.com/office/drawing/2014/main" id="{249EFE5E-5460-524D-4BC7-8A2FEFC57170}"/>
+              </a:ext>
+            </a:extLst>
+          </p:cNvPr>
+          <p:cNvSpPr txBox="1"/>
+          <p:nvPr/>
+        </p:nvSpPr>
+        <p:spPr>
+          <a:xfrm>
+            <a:off x="8334506" y="617215"/>
+            <a:ext cx="253596" cy="338554"/>
+          </a:xfrm>
+          <a:prstGeom prst="rect">
+            <a:avLst/>
+          </a:prstGeom>
+          <a:noFill/>
+        </p:spPr>
+        <p:txBody>
+          <a:bodyPr wrap="none" rtlCol="0">
+            <a:spAutoFit/>
+          </a:bodyPr>
+          <a:lstStyle/>
+          <a:p>
+            <a:r>
+              <a:rPr lang="fr-FR" sz="1600" dirty="0"/>
+              <a:t>r</a:t>
+            </a:r>
+          </a:p>
+        </p:txBody>
+      </p:sp>
+      <p:cxnSp>
+        <p:nvCxnSpPr>
+          <p:cNvPr id="19" name="Connecteur droit avec flèche 18">
+            <a:extLst>
+              <a:ext uri="{FF2B5EF4-FFF2-40B4-BE49-F238E27FC236}">
+                <a16:creationId xmlns:a16="http://schemas.microsoft.com/office/drawing/2014/main" id="{7B03D11B-619B-E838-FD8D-1DEB00430D9C}"/>
+              </a:ext>
+            </a:extLst>
+          </p:cNvPr>
+          <p:cNvCxnSpPr>
+            <a:cxnSpLocks/>
+          </p:cNvCxnSpPr>
+          <p:nvPr/>
+        </p:nvCxnSpPr>
+        <p:spPr>
+          <a:xfrm flipH="1" flipV="1">
+            <a:off x="8122922" y="663381"/>
+            <a:ext cx="969264" cy="717363"/>
+          </a:xfrm>
+          <a:prstGeom prst="straightConnector1">
+            <a:avLst/>
+          </a:prstGeom>
+          <a:ln w="50800">
+            <a:solidFill>
+              <a:schemeClr val="accent4">
+                <a:lumMod val="40000"/>
+                <a:lumOff val="60000"/>
+              </a:schemeClr>
+            </a:solidFill>
+            <a:tailEnd type="triangle"/>
+          </a:ln>
+        </p:spPr>
+        <p:style>
+          <a:lnRef idx="2">
+            <a:schemeClr val="accent1"/>
+          </a:lnRef>
+          <a:fillRef idx="0">
+            <a:schemeClr val="accent1"/>
+          </a:fillRef>
+          <a:effectRef idx="1">
+            <a:schemeClr val="accent1"/>
+          </a:effectRef>
+          <a:fontRef idx="minor">
+            <a:schemeClr val="tx1"/>
+          </a:fontRef>
+        </p:style>
+      </p:cxnSp>
+      <p:sp>
+        <p:nvSpPr>
+          <p:cNvPr id="20" name="ZoneTexte 19">
+            <a:extLst>
+              <a:ext uri="{FF2B5EF4-FFF2-40B4-BE49-F238E27FC236}">
+                <a16:creationId xmlns:a16="http://schemas.microsoft.com/office/drawing/2014/main" id="{470F0916-B3D9-D578-44C3-98C009286602}"/>
+              </a:ext>
+            </a:extLst>
+          </p:cNvPr>
+          <p:cNvSpPr txBox="1"/>
+          <p:nvPr/>
+        </p:nvSpPr>
+        <p:spPr>
+          <a:xfrm>
+            <a:off x="9244586" y="1161187"/>
+            <a:ext cx="684290" cy="338554"/>
+          </a:xfrm>
+          <a:prstGeom prst="rect">
+            <a:avLst/>
+          </a:prstGeom>
+          <a:noFill/>
+        </p:spPr>
+        <p:txBody>
+          <a:bodyPr wrap="none" rtlCol="0">
+            <a:spAutoFit/>
+          </a:bodyPr>
+          <a:lstStyle/>
+          <a:p>
+            <a:r>
+              <a:rPr lang="fr-FR" sz="1600" dirty="0"/>
+              <a:t>c (</a:t>
+            </a:r>
+            <a:r>
+              <a:rPr lang="fr-FR" sz="1600" dirty="0" err="1"/>
+              <a:t>x,y</a:t>
+            </a:r>
+            <a:r>
+              <a:rPr lang="fr-FR" sz="1600" dirty="0"/>
+              <a:t>)</a:t>
+            </a:r>
+          </a:p>
+        </p:txBody>
+      </p:sp>
+      <p:cxnSp>
+        <p:nvCxnSpPr>
+          <p:cNvPr id="21" name="Connecteur droit avec flèche 20">
+            <a:extLst>
+              <a:ext uri="{FF2B5EF4-FFF2-40B4-BE49-F238E27FC236}">
+                <a16:creationId xmlns:a16="http://schemas.microsoft.com/office/drawing/2014/main" id="{93DA0A11-2BDC-0F4D-5342-984974132C87}"/>
+              </a:ext>
+            </a:extLst>
+          </p:cNvPr>
+          <p:cNvCxnSpPr>
+            <a:cxnSpLocks/>
+          </p:cNvCxnSpPr>
+          <p:nvPr/>
+        </p:nvCxnSpPr>
+        <p:spPr>
+          <a:xfrm flipV="1">
+            <a:off x="7517390" y="379801"/>
+            <a:ext cx="4369810" cy="3962949"/>
+          </a:xfrm>
+          <a:prstGeom prst="straightConnector1">
+            <a:avLst/>
+          </a:prstGeom>
+          <a:ln w="50800">
+            <a:solidFill>
+              <a:srgbClr val="FF0000"/>
+            </a:solidFill>
+            <a:prstDash val="sysDot"/>
+            <a:tailEnd type="triangle"/>
+          </a:ln>
+        </p:spPr>
+        <p:style>
+          <a:lnRef idx="2">
+            <a:schemeClr val="accent1"/>
+          </a:lnRef>
+          <a:fillRef idx="0">
+            <a:schemeClr val="accent1"/>
+          </a:fillRef>
+          <a:effectRef idx="1">
+            <a:schemeClr val="accent1"/>
+          </a:effectRef>
+          <a:fontRef idx="minor">
+            <a:schemeClr val="tx1"/>
+          </a:fontRef>
+        </p:style>
+      </p:cxnSp>
+      <p:cxnSp>
+        <p:nvCxnSpPr>
+          <p:cNvPr id="25" name="Connecteur droit avec flèche 24">
+            <a:extLst>
+              <a:ext uri="{FF2B5EF4-FFF2-40B4-BE49-F238E27FC236}">
+                <a16:creationId xmlns:a16="http://schemas.microsoft.com/office/drawing/2014/main" id="{4B4C901A-F4DF-B396-AC67-D0EF55679AF0}"/>
+              </a:ext>
+            </a:extLst>
+          </p:cNvPr>
+          <p:cNvCxnSpPr>
+            <a:cxnSpLocks/>
+            <a:stCxn id="15" idx="7"/>
+          </p:cNvCxnSpPr>
+          <p:nvPr/>
+        </p:nvCxnSpPr>
+        <p:spPr>
+          <a:xfrm flipV="1">
+            <a:off x="7517390" y="1380744"/>
+            <a:ext cx="1574796" cy="2962006"/>
+          </a:xfrm>
+          <a:prstGeom prst="straightConnector1">
+            <a:avLst/>
+          </a:prstGeom>
+          <a:ln w="50800">
+            <a:solidFill>
+              <a:schemeClr val="accent5">
+                <a:lumMod val="60000"/>
+                <a:lumOff val="40000"/>
+              </a:schemeClr>
+            </a:solidFill>
+            <a:tailEnd type="triangle"/>
+          </a:ln>
+        </p:spPr>
+        <p:style>
+          <a:lnRef idx="2">
+            <a:schemeClr val="accent1"/>
+          </a:lnRef>
+          <a:fillRef idx="0">
+            <a:schemeClr val="accent1"/>
+          </a:fillRef>
+          <a:effectRef idx="1">
+            <a:schemeClr val="accent1"/>
+          </a:effectRef>
+          <a:fontRef idx="minor">
+            <a:schemeClr val="tx1"/>
+          </a:fontRef>
+        </p:style>
+      </p:cxnSp>
+      <p:sp>
+        <p:nvSpPr>
+          <p:cNvPr id="31" name="ZoneTexte 30">
+            <a:extLst>
+              <a:ext uri="{FF2B5EF4-FFF2-40B4-BE49-F238E27FC236}">
+                <a16:creationId xmlns:a16="http://schemas.microsoft.com/office/drawing/2014/main" id="{C55B196E-0BA2-C318-9450-D3D44ACC1386}"/>
+              </a:ext>
+            </a:extLst>
+          </p:cNvPr>
+          <p:cNvSpPr txBox="1"/>
+          <p:nvPr/>
+        </p:nvSpPr>
+        <p:spPr>
+          <a:xfrm>
+            <a:off x="9920691" y="2258229"/>
+            <a:ext cx="303288" cy="338554"/>
+          </a:xfrm>
+          <a:prstGeom prst="rect">
+            <a:avLst/>
+          </a:prstGeom>
+          <a:noFill/>
+        </p:spPr>
+        <p:txBody>
+          <a:bodyPr wrap="none" rtlCol="0">
+            <a:spAutoFit/>
+          </a:bodyPr>
+          <a:lstStyle/>
+          <a:p>
+            <a:r>
+              <a:rPr lang="fr-FR" sz="1600" dirty="0"/>
+              <a:t>P</a:t>
+            </a:r>
+          </a:p>
+        </p:txBody>
+      </p:sp>
+      <p:cxnSp>
+        <p:nvCxnSpPr>
+          <p:cNvPr id="32" name="Connecteur droit avec flèche 31">
+            <a:extLst>
+              <a:ext uri="{FF2B5EF4-FFF2-40B4-BE49-F238E27FC236}">
+                <a16:creationId xmlns:a16="http://schemas.microsoft.com/office/drawing/2014/main" id="{9452492B-A117-0D8B-9DAA-139956918F16}"/>
+              </a:ext>
+            </a:extLst>
+          </p:cNvPr>
+          <p:cNvCxnSpPr>
+            <a:cxnSpLocks/>
+            <a:stCxn id="17" idx="5"/>
+          </p:cNvCxnSpPr>
+          <p:nvPr/>
+        </p:nvCxnSpPr>
+        <p:spPr>
+          <a:xfrm>
+            <a:off x="9189173" y="1474498"/>
+            <a:ext cx="648616" cy="722953"/>
+          </a:xfrm>
+          <a:prstGeom prst="straightConnector1">
+            <a:avLst/>
+          </a:prstGeom>
+          <a:ln w="50800">
+            <a:solidFill>
+              <a:schemeClr val="accent5">
+                <a:lumMod val="60000"/>
+                <a:lumOff val="40000"/>
+              </a:schemeClr>
+            </a:solidFill>
+            <a:prstDash val="sysDot"/>
+            <a:tailEnd type="triangle"/>
+          </a:ln>
+        </p:spPr>
+        <p:style>
+          <a:lnRef idx="2">
+            <a:schemeClr val="accent1"/>
+          </a:lnRef>
+          <a:fillRef idx="0">
+            <a:schemeClr val="accent1"/>
+          </a:fillRef>
+          <a:effectRef idx="1">
+            <a:schemeClr val="accent1"/>
+          </a:effectRef>
+          <a:fontRef idx="minor">
+            <a:schemeClr val="tx1"/>
+          </a:fontRef>
+        </p:style>
+      </p:cxnSp>
+      <p:sp>
+        <p:nvSpPr>
+          <p:cNvPr id="35" name="Rectangle 34">
+            <a:extLst>
+              <a:ext uri="{FF2B5EF4-FFF2-40B4-BE49-F238E27FC236}">
+                <a16:creationId xmlns:a16="http://schemas.microsoft.com/office/drawing/2014/main" id="{A29E462B-2C66-0809-BA24-5BC5DCF50672}"/>
+              </a:ext>
+            </a:extLst>
+          </p:cNvPr>
+          <p:cNvSpPr/>
+          <p:nvPr/>
+        </p:nvSpPr>
+        <p:spPr>
+          <a:xfrm rot="19092671">
+            <a:off x="9514658" y="2063982"/>
+            <a:ext cx="248410" cy="266938"/>
+          </a:xfrm>
+          <a:prstGeom prst="rect">
+            <a:avLst/>
+          </a:prstGeom>
+        </p:spPr>
+        <p:style>
+          <a:lnRef idx="2">
+            <a:schemeClr val="accent1">
+              <a:shade val="15000"/>
+            </a:schemeClr>
+          </a:lnRef>
+          <a:fillRef idx="1">
+            <a:schemeClr val="accent1"/>
+          </a:fillRef>
+          <a:effectRef idx="0">
+            <a:schemeClr val="accent1"/>
+          </a:effectRef>
+          <a:fontRef idx="minor">
+            <a:schemeClr val="lt1"/>
+          </a:fontRef>
+        </p:style>
+        <p:txBody>
+          <a:bodyPr rtlCol="0" anchor="ctr"/>
+          <a:lstStyle/>
+          <a:p>
+            <a:pPr algn="ctr"/>
+            <a:endParaRPr lang="fr-FR"/>
+          </a:p>
+        </p:txBody>
+      </p:sp>
+      <p:sp>
+        <p:nvSpPr>
+          <p:cNvPr id="37" name="ZoneTexte 36">
+            <a:extLst>
+              <a:ext uri="{FF2B5EF4-FFF2-40B4-BE49-F238E27FC236}">
+                <a16:creationId xmlns:a16="http://schemas.microsoft.com/office/drawing/2014/main" id="{61302165-2BD5-67E5-48EF-9805A54C71CB}"/>
+              </a:ext>
+            </a:extLst>
+          </p:cNvPr>
+          <p:cNvSpPr txBox="1"/>
+          <p:nvPr/>
+        </p:nvSpPr>
+        <p:spPr>
+          <a:xfrm>
+            <a:off x="7191478" y="4498848"/>
+            <a:ext cx="298480" cy="338554"/>
+          </a:xfrm>
+          <a:prstGeom prst="rect">
+            <a:avLst/>
+          </a:prstGeom>
+          <a:noFill/>
+        </p:spPr>
+        <p:txBody>
+          <a:bodyPr wrap="none" rtlCol="0">
+            <a:spAutoFit/>
+          </a:bodyPr>
+          <a:lstStyle/>
+          <a:p>
+            <a:r>
+              <a:rPr lang="fr-FR" sz="1600" dirty="0"/>
+              <a:t>o</a:t>
+            </a:r>
+          </a:p>
+        </p:txBody>
+      </p:sp>
+      <p:sp>
+        <p:nvSpPr>
+          <p:cNvPr id="39" name="ZoneTexte 38">
+            <a:extLst>
+              <a:ext uri="{FF2B5EF4-FFF2-40B4-BE49-F238E27FC236}">
+                <a16:creationId xmlns:a16="http://schemas.microsoft.com/office/drawing/2014/main" id="{EFD62EB7-4C4A-96F8-EBB2-D810886DB1F1}"/>
+              </a:ext>
+            </a:extLst>
+          </p:cNvPr>
+          <p:cNvSpPr txBox="1"/>
+          <p:nvPr/>
+        </p:nvSpPr>
+        <p:spPr>
+          <a:xfrm>
+            <a:off x="7883914" y="2523193"/>
+            <a:ext cx="478016" cy="338554"/>
+          </a:xfrm>
+          <a:prstGeom prst="rect">
+            <a:avLst/>
+          </a:prstGeom>
+          <a:noFill/>
+        </p:spPr>
+        <p:txBody>
+          <a:bodyPr wrap="none" rtlCol="0">
+            <a:spAutoFit/>
+          </a:bodyPr>
+          <a:lstStyle/>
+          <a:p>
+            <a:r>
+              <a:rPr lang="fr-FR" sz="1600" dirty="0"/>
+              <a:t>OC</a:t>
+            </a:r>
+          </a:p>
+        </p:txBody>
+      </p:sp>
+      <p:sp>
+        <p:nvSpPr>
+          <p:cNvPr id="40" name="ZoneTexte 39">
+            <a:extLst>
+              <a:ext uri="{FF2B5EF4-FFF2-40B4-BE49-F238E27FC236}">
+                <a16:creationId xmlns:a16="http://schemas.microsoft.com/office/drawing/2014/main" id="{CEE4CD4D-7268-096E-A6C9-C5A9A6CE1587}"/>
+              </a:ext>
+            </a:extLst>
+          </p:cNvPr>
+          <p:cNvSpPr txBox="1"/>
+          <p:nvPr/>
+        </p:nvSpPr>
+        <p:spPr>
+          <a:xfrm>
+            <a:off x="8510250" y="3755794"/>
+            <a:ext cx="1468672" cy="338554"/>
+          </a:xfrm>
+          <a:prstGeom prst="rect">
+            <a:avLst/>
+          </a:prstGeom>
+          <a:noFill/>
+        </p:spPr>
+        <p:txBody>
+          <a:bodyPr wrap="none" rtlCol="0">
+            <a:spAutoFit/>
+          </a:bodyPr>
+          <a:lstStyle/>
+          <a:p>
+            <a:r>
+              <a:rPr lang="fr-FR" sz="1600" dirty="0"/>
+              <a:t>d (</a:t>
+            </a:r>
+            <a:r>
+              <a:rPr lang="fr-FR" sz="1600" dirty="0" err="1"/>
+              <a:t>normalised</a:t>
+            </a:r>
+            <a:r>
+              <a:rPr lang="fr-FR" sz="1600" dirty="0"/>
+              <a:t>)</a:t>
+            </a:r>
+          </a:p>
+        </p:txBody>
+      </p:sp>
+      <p:sp>
+        <p:nvSpPr>
+          <p:cNvPr id="41" name="ZoneTexte 40">
+            <a:extLst>
+              <a:ext uri="{FF2B5EF4-FFF2-40B4-BE49-F238E27FC236}">
+                <a16:creationId xmlns:a16="http://schemas.microsoft.com/office/drawing/2014/main" id="{159364CB-5571-FCBD-AA3E-62512C349D70}"/>
+              </a:ext>
+            </a:extLst>
+          </p:cNvPr>
+          <p:cNvSpPr txBox="1"/>
+          <p:nvPr/>
+        </p:nvSpPr>
+        <p:spPr>
+          <a:xfrm>
+            <a:off x="9404336" y="2649495"/>
+            <a:ext cx="412292" cy="338554"/>
+          </a:xfrm>
+          <a:prstGeom prst="rect">
+            <a:avLst/>
+          </a:prstGeom>
+          <a:noFill/>
+        </p:spPr>
+        <p:txBody>
+          <a:bodyPr wrap="none" rtlCol="0">
+            <a:spAutoFit/>
+          </a:bodyPr>
+          <a:lstStyle/>
+          <a:p>
+            <a:r>
+              <a:rPr lang="fr-FR" sz="1600" dirty="0"/>
+              <a:t>P1</a:t>
+            </a:r>
+          </a:p>
+        </p:txBody>
+      </p:sp>
+      <p:cxnSp>
+        <p:nvCxnSpPr>
+          <p:cNvPr id="43" name="Connecteur droit avec flèche 42">
+            <a:extLst>
+              <a:ext uri="{FF2B5EF4-FFF2-40B4-BE49-F238E27FC236}">
+                <a16:creationId xmlns:a16="http://schemas.microsoft.com/office/drawing/2014/main" id="{8F4B914B-9A15-5E8F-FBC1-FF6769DA7439}"/>
+              </a:ext>
+            </a:extLst>
+          </p:cNvPr>
+          <p:cNvCxnSpPr>
+            <a:cxnSpLocks/>
+          </p:cNvCxnSpPr>
+          <p:nvPr/>
+        </p:nvCxnSpPr>
+        <p:spPr>
+          <a:xfrm>
+            <a:off x="9189173" y="1499741"/>
+            <a:ext cx="262178" cy="1023452"/>
+          </a:xfrm>
+          <a:prstGeom prst="straightConnector1">
+            <a:avLst/>
+          </a:prstGeom>
+          <a:ln w="50800">
+            <a:solidFill>
+              <a:schemeClr val="accent5">
+                <a:lumMod val="60000"/>
+                <a:lumOff val="40000"/>
+              </a:schemeClr>
+            </a:solidFill>
+            <a:prstDash val="sysDot"/>
+            <a:tailEnd type="triangle"/>
+          </a:ln>
+        </p:spPr>
+        <p:style>
+          <a:lnRef idx="2">
+            <a:schemeClr val="accent1"/>
+          </a:lnRef>
+          <a:fillRef idx="0">
+            <a:schemeClr val="accent1"/>
+          </a:fillRef>
+          <a:effectRef idx="1">
+            <a:schemeClr val="accent1"/>
+          </a:effectRef>
+          <a:fontRef idx="minor">
+            <a:schemeClr val="tx1"/>
+          </a:fontRef>
+        </p:style>
+      </p:cxnSp>
+      <p:sp>
+        <p:nvSpPr>
+          <p:cNvPr id="49" name="ZoneTexte 48">
+            <a:extLst>
+              <a:ext uri="{FF2B5EF4-FFF2-40B4-BE49-F238E27FC236}">
+                <a16:creationId xmlns:a16="http://schemas.microsoft.com/office/drawing/2014/main" id="{1F9DC012-6048-AD5C-1113-DE0A3682244C}"/>
+              </a:ext>
+            </a:extLst>
+          </p:cNvPr>
+          <p:cNvSpPr txBox="1"/>
+          <p:nvPr/>
+        </p:nvSpPr>
+        <p:spPr>
+          <a:xfrm>
+            <a:off x="9471041" y="1594132"/>
+            <a:ext cx="445956" cy="338554"/>
+          </a:xfrm>
+          <a:prstGeom prst="rect">
+            <a:avLst/>
+          </a:prstGeom>
+          <a:noFill/>
+        </p:spPr>
+        <p:txBody>
+          <a:bodyPr wrap="none" rtlCol="0">
+            <a:spAutoFit/>
+          </a:bodyPr>
+          <a:lstStyle/>
+          <a:p>
+            <a:r>
+              <a:rPr lang="fr-FR" sz="1600" dirty="0"/>
+              <a:t>CP</a:t>
+            </a:r>
+          </a:p>
+        </p:txBody>
+      </p:sp>
+      <p:sp>
+        <p:nvSpPr>
+          <p:cNvPr id="50" name="ZoneTexte 49">
+            <a:extLst>
+              <a:ext uri="{FF2B5EF4-FFF2-40B4-BE49-F238E27FC236}">
+                <a16:creationId xmlns:a16="http://schemas.microsoft.com/office/drawing/2014/main" id="{AF3F8864-62B8-1B85-1C12-CE275FC21339}"/>
+              </a:ext>
+            </a:extLst>
+          </p:cNvPr>
+          <p:cNvSpPr txBox="1"/>
+          <p:nvPr/>
+        </p:nvSpPr>
+        <p:spPr>
+          <a:xfrm>
+            <a:off x="8990990" y="1902366"/>
+            <a:ext cx="253596" cy="338554"/>
+          </a:xfrm>
+          <a:prstGeom prst="rect">
+            <a:avLst/>
+          </a:prstGeom>
+          <a:noFill/>
+        </p:spPr>
+        <p:txBody>
+          <a:bodyPr wrap="none" rtlCol="0">
+            <a:spAutoFit/>
+          </a:bodyPr>
+          <a:lstStyle/>
+          <a:p>
+            <a:r>
+              <a:rPr lang="fr-FR" sz="1600" dirty="0"/>
+              <a:t>r</a:t>
+            </a:r>
+          </a:p>
+        </p:txBody>
+      </p:sp>
+    </p:spTree>
+    <p:extLst>
+      <p:ext uri="{BB962C8B-B14F-4D97-AF65-F5344CB8AC3E}">
+        <p14:creationId xmlns:p14="http://schemas.microsoft.com/office/powerpoint/2010/main" val="2411582670"/>
+      </p:ext>
+    </p:extLst>
+  </p:cSld>
+  <p:clrMapOvr>
+    <a:masterClrMapping/>
+  </p:clrMapOvr>
+</p:sld>
+</file>
+
+<file path=ppt/slides/slide14.xml><?xml version="1.0" encoding="utf-8"?>
+<p:sld xmlns:a="http://schemas.openxmlformats.org/drawingml/2006/main" xmlns:r="http://schemas.openxmlformats.org/officeDocument/2006/relationships" xmlns:p="http://schemas.openxmlformats.org/presentationml/2006/main">
+  <p:cSld>
+    <p:spTree>
+      <p:nvGrpSpPr>
+        <p:cNvPr id="1" name=""/>
+        <p:cNvGrpSpPr/>
+        <p:nvPr/>
+      </p:nvGrpSpPr>
+      <p:grpSpPr>
+        <a:xfrm>
+          <a:off x="0" y="0"/>
+          <a:ext cx="0" cy="0"/>
+          <a:chOff x="0" y="0"/>
+          <a:chExt cx="0" cy="0"/>
+        </a:xfrm>
+      </p:grpSpPr>
+      <p:sp>
+        <p:nvSpPr>
           <p:cNvPr id="9" name="Rectangle : coins arrondis 8">
             <a:extLst>
               <a:ext uri="{FF2B5EF4-FFF2-40B4-BE49-F238E27FC236}">
@@ -6649,7 +7486,7 @@
 </p:sld>
 </file>
 
-<file path=ppt/slides/slide13.xml><?xml version="1.0" encoding="utf-8"?>
+<file path=ppt/slides/slide15.xml><?xml version="1.0" encoding="utf-8"?>
 <p:sld xmlns:a="http://schemas.openxmlformats.org/drawingml/2006/main" xmlns:r="http://schemas.openxmlformats.org/officeDocument/2006/relationships" xmlns:p="http://schemas.openxmlformats.org/presentationml/2006/main">
   <p:cSld>
     <p:spTree>
@@ -7160,8 +7997,8 @@
         </p:nvSpPr>
         <p:spPr>
           <a:xfrm>
-            <a:off x="4111985" y="2990006"/>
-            <a:ext cx="303288" cy="338554"/>
+            <a:off x="4068818" y="3113657"/>
+            <a:ext cx="1401022" cy="338554"/>
           </a:xfrm>
           <a:prstGeom prst="rect">
             <a:avLst/>
@@ -7169,7 +8006,7 @@
           <a:noFill/>
         </p:spPr>
         <p:txBody>
-          <a:bodyPr wrap="none" rtlCol="0">
+          <a:bodyPr wrap="square" rtlCol="0">
             <a:spAutoFit/>
           </a:bodyPr>
           <a:lstStyle/>
@@ -7322,14 +8159,13 @@
           </p:cNvPr>
           <p:cNvCxnSpPr>
             <a:cxnSpLocks/>
-            <a:stCxn id="17" idx="1"/>
           </p:cNvCxnSpPr>
           <p:nvPr/>
         </p:nvCxnSpPr>
         <p:spPr>
           <a:xfrm>
-            <a:off x="4111985" y="3159283"/>
-            <a:ext cx="2970603" cy="681197"/>
+            <a:off x="4028737" y="3127248"/>
+            <a:ext cx="3081070" cy="882509"/>
           </a:xfrm>
           <a:prstGeom prst="straightConnector1">
             <a:avLst/>
@@ -7450,7 +8286,7 @@
 </p:sld>
 </file>
 
-<file path=ppt/slides/slide14.xml><?xml version="1.0" encoding="utf-8"?>
+<file path=ppt/slides/slide16.xml><?xml version="1.0" encoding="utf-8"?>
 <p:sld xmlns:a="http://schemas.openxmlformats.org/drawingml/2006/main" xmlns:r="http://schemas.openxmlformats.org/officeDocument/2006/relationships" xmlns:p="http://schemas.openxmlformats.org/presentationml/2006/main">
   <p:cSld>
     <p:spTree>
@@ -8298,7 +9134,7 @@
 </p:sld>
 </file>
 
-<file path=ppt/slides/slide15.xml><?xml version="1.0" encoding="utf-8"?>
+<file path=ppt/slides/slide17.xml><?xml version="1.0" encoding="utf-8"?>
 <p:sld xmlns:a="http://schemas.openxmlformats.org/drawingml/2006/main" xmlns:r="http://schemas.openxmlformats.org/officeDocument/2006/relationships" xmlns:p="http://schemas.openxmlformats.org/presentationml/2006/main">
   <p:cSld>
     <p:spTree>
@@ -9219,7 +10055,7 @@
 </p:sld>
 </file>
 
-<file path=ppt/slides/slide16.xml><?xml version="1.0" encoding="utf-8"?>
+<file path=ppt/slides/slide18.xml><?xml version="1.0" encoding="utf-8"?>
 <p:sld xmlns:a="http://schemas.openxmlformats.org/drawingml/2006/main" xmlns:r="http://schemas.openxmlformats.org/officeDocument/2006/relationships" xmlns:p="http://schemas.openxmlformats.org/presentationml/2006/main">
   <p:cSld>
     <p:spTree>
@@ -10180,7 +11016,7 @@
 </p:sld>
 </file>
 
-<file path=ppt/slides/slide17.xml><?xml version="1.0" encoding="utf-8"?>
+<file path=ppt/slides/slide19.xml><?xml version="1.0" encoding="utf-8"?>
 <p:sld xmlns:a="http://schemas.openxmlformats.org/drawingml/2006/main" xmlns:r="http://schemas.openxmlformats.org/officeDocument/2006/relationships" xmlns:p="http://schemas.openxmlformats.org/presentationml/2006/main">
   <p:cSld>
     <p:spTree>
